--- a/Presen/素材2.pptx
+++ b/Presen/素材2.pptx
@@ -4634,7 +4634,7 @@
                 <a14:useLocalDpi xmlns:a14="http://schemas.microsoft.com/office/drawing/2010/main" val="0"/>
               </a:ext>
               <a:ext uri="{96DAC541-7B7A-43D3-8B79-37D633B846F1}">
-                <asvg:svgBlip xmlns:asvg="http://schemas.microsoft.com/office/drawing/2016/SVG/main" xmlns="" r:embed="rId3"/>
+                <asvg:svgBlip xmlns:asvg="http://schemas.microsoft.com/office/drawing/2016/SVG/main" r:embed="rId3"/>
               </a:ext>
             </a:extLst>
           </a:blip>
@@ -7181,14 +7181,6 @@
               </a:rPr>
               <a:t>分散表現</a:t>
             </a:r>
-            <a:r>
-              <a:rPr kumimoji="1" lang="en-US" altLang="ja-JP" b="1" dirty="0">
-                <a:solidFill>
-                  <a:srgbClr val="089CA3"/>
-                </a:solidFill>
-              </a:rPr>
-              <a:t/>
-            </a:r>
             <a:br>
               <a:rPr kumimoji="1" lang="en-US" altLang="ja-JP" b="1" dirty="0">
                 <a:solidFill>
@@ -16261,14 +16253,6 @@
                 </a:solidFill>
               </a:rPr>
               <a:t>分類したい</a:t>
-            </a:r>
-            <a:r>
-              <a:rPr kumimoji="1" lang="en-US" altLang="ja-JP" b="1" dirty="0">
-                <a:solidFill>
-                  <a:srgbClr val="089CA3"/>
-                </a:solidFill>
-              </a:rPr>
-              <a:t/>
             </a:r>
             <a:br>
               <a:rPr kumimoji="1" lang="en-US" altLang="ja-JP" b="1" dirty="0">
@@ -17570,7 +17554,7 @@
                 <a14:useLocalDpi xmlns:a14="http://schemas.microsoft.com/office/drawing/2010/main" val="0"/>
               </a:ext>
               <a:ext uri="{96DAC541-7B7A-43D3-8B79-37D633B846F1}">
-                <asvg:svgBlip xmlns:asvg="http://schemas.microsoft.com/office/drawing/2016/SVG/main" xmlns="" r:embed="rId3"/>
+                <asvg:svgBlip xmlns:asvg="http://schemas.microsoft.com/office/drawing/2016/SVG/main" r:embed="rId3"/>
               </a:ext>
             </a:extLst>
           </a:blip>
@@ -17723,14 +17707,6 @@
                 </a:solidFill>
               </a:rPr>
               <a:t>教師データ</a:t>
-            </a:r>
-            <a:r>
-              <a:rPr kumimoji="1" lang="en-US" altLang="ja-JP" b="1" dirty="0">
-                <a:solidFill>
-                  <a:srgbClr val="089CA3"/>
-                </a:solidFill>
-              </a:rPr>
-              <a:t/>
             </a:r>
             <a:br>
               <a:rPr kumimoji="1" lang="en-US" altLang="ja-JP" b="1" dirty="0">
@@ -27717,14 +27693,6 @@
               </a:rPr>
               <a:t>分散表現</a:t>
             </a:r>
-            <a:r>
-              <a:rPr kumimoji="1" lang="en-US" altLang="ja-JP" b="1" dirty="0">
-                <a:solidFill>
-                  <a:srgbClr val="089CA3"/>
-                </a:solidFill>
-              </a:rPr>
-              <a:t/>
-            </a:r>
             <a:br>
               <a:rPr kumimoji="1" lang="en-US" altLang="ja-JP" b="1" dirty="0">
                 <a:solidFill>
@@ -32353,14 +32321,6 @@
               </a:rPr>
               <a:t>分類したい</a:t>
             </a:r>
-            <a:r>
-              <a:rPr kumimoji="1" lang="en-US" altLang="ja-JP" b="1" dirty="0">
-                <a:solidFill>
-                  <a:srgbClr val="089CA3"/>
-                </a:solidFill>
-              </a:rPr>
-              <a:t/>
-            </a:r>
             <a:br>
               <a:rPr kumimoji="1" lang="en-US" altLang="ja-JP" b="1" dirty="0">
                 <a:solidFill>
@@ -32458,236 +32418,6 @@
           <a:chExt cx="0" cy="0"/>
         </a:xfrm>
       </p:grpSpPr>
-      <p:sp>
-        <p:nvSpPr>
-          <p:cNvPr id="6" name="正方形/長方形 5">
-            <a:extLst>
-              <a:ext uri="{FF2B5EF4-FFF2-40B4-BE49-F238E27FC236}">
-                <a16:creationId xmlns:a16="http://schemas.microsoft.com/office/drawing/2014/main" id="{FD64456F-3910-4003-8EF1-472B234CEE7A}"/>
-              </a:ext>
-            </a:extLst>
-          </p:cNvPr>
-          <p:cNvSpPr/>
-          <p:nvPr/>
-        </p:nvSpPr>
-        <p:spPr>
-          <a:xfrm>
-            <a:off x="3956622" y="4742351"/>
-            <a:ext cx="384463" cy="322574"/>
-          </a:xfrm>
-          <a:prstGeom prst="rect">
-            <a:avLst/>
-          </a:prstGeom>
-          <a:solidFill>
-            <a:schemeClr val="bg1"/>
-          </a:solidFill>
-          <a:ln>
-            <a:solidFill>
-              <a:srgbClr val="089CA3"/>
-            </a:solidFill>
-          </a:ln>
-        </p:spPr>
-        <p:style>
-          <a:lnRef idx="2">
-            <a:schemeClr val="accent1">
-              <a:shade val="50000"/>
-            </a:schemeClr>
-          </a:lnRef>
-          <a:fillRef idx="1">
-            <a:schemeClr val="accent1"/>
-          </a:fillRef>
-          <a:effectRef idx="0">
-            <a:schemeClr val="accent1"/>
-          </a:effectRef>
-          <a:fontRef idx="minor">
-            <a:schemeClr val="lt1"/>
-          </a:fontRef>
-        </p:style>
-        <p:txBody>
-          <a:bodyPr rtlCol="0" anchor="ctr"/>
-          <a:lstStyle/>
-          <a:p>
-            <a:pPr algn="ctr"/>
-            <a:endParaRPr kumimoji="1" lang="ja-JP" altLang="en-US"/>
-          </a:p>
-        </p:txBody>
-      </p:sp>
-      <p:cxnSp>
-        <p:nvCxnSpPr>
-          <p:cNvPr id="7" name="直線コネクタ 6">
-            <a:extLst>
-              <a:ext uri="{FF2B5EF4-FFF2-40B4-BE49-F238E27FC236}">
-                <a16:creationId xmlns:a16="http://schemas.microsoft.com/office/drawing/2014/main" id="{46B9776C-36B5-4FAF-BEEC-E53127A59743}"/>
-              </a:ext>
-            </a:extLst>
-          </p:cNvPr>
-          <p:cNvCxnSpPr/>
-          <p:nvPr/>
-        </p:nvCxnSpPr>
-        <p:spPr>
-          <a:xfrm>
-            <a:off x="3997933" y="4808803"/>
-            <a:ext cx="301843" cy="0"/>
-          </a:xfrm>
-          <a:prstGeom prst="line">
-            <a:avLst/>
-          </a:prstGeom>
-          <a:solidFill>
-            <a:schemeClr val="bg1"/>
-          </a:solidFill>
-          <a:ln w="12700">
-            <a:solidFill>
-              <a:srgbClr val="089CA3"/>
-            </a:solidFill>
-          </a:ln>
-        </p:spPr>
-        <p:style>
-          <a:lnRef idx="1">
-            <a:schemeClr val="accent1"/>
-          </a:lnRef>
-          <a:fillRef idx="0">
-            <a:schemeClr val="accent1"/>
-          </a:fillRef>
-          <a:effectRef idx="0">
-            <a:schemeClr val="accent1"/>
-          </a:effectRef>
-          <a:fontRef idx="minor">
-            <a:schemeClr val="tx1"/>
-          </a:fontRef>
-        </p:style>
-      </p:cxnSp>
-      <p:cxnSp>
-        <p:nvCxnSpPr>
-          <p:cNvPr id="8" name="直線コネクタ 7">
-            <a:extLst>
-              <a:ext uri="{FF2B5EF4-FFF2-40B4-BE49-F238E27FC236}">
-                <a16:creationId xmlns:a16="http://schemas.microsoft.com/office/drawing/2014/main" id="{C4A2C5E4-4FA1-48A3-9C80-EED6D414FDD1}"/>
-              </a:ext>
-            </a:extLst>
-          </p:cNvPr>
-          <p:cNvCxnSpPr/>
-          <p:nvPr/>
-        </p:nvCxnSpPr>
-        <p:spPr>
-          <a:xfrm>
-            <a:off x="3997932" y="4868445"/>
-            <a:ext cx="301843" cy="0"/>
-          </a:xfrm>
-          <a:prstGeom prst="line">
-            <a:avLst/>
-          </a:prstGeom>
-          <a:solidFill>
-            <a:schemeClr val="bg1"/>
-          </a:solidFill>
-          <a:ln w="12700">
-            <a:solidFill>
-              <a:srgbClr val="089CA3"/>
-            </a:solidFill>
-          </a:ln>
-        </p:spPr>
-        <p:style>
-          <a:lnRef idx="1">
-            <a:schemeClr val="accent1"/>
-          </a:lnRef>
-          <a:fillRef idx="0">
-            <a:schemeClr val="accent1"/>
-          </a:fillRef>
-          <a:effectRef idx="0">
-            <a:schemeClr val="accent1"/>
-          </a:effectRef>
-          <a:fontRef idx="minor">
-            <a:schemeClr val="tx1"/>
-          </a:fontRef>
-        </p:style>
-      </p:cxnSp>
-      <p:cxnSp>
-        <p:nvCxnSpPr>
-          <p:cNvPr id="9" name="直線コネクタ 8">
-            <a:extLst>
-              <a:ext uri="{FF2B5EF4-FFF2-40B4-BE49-F238E27FC236}">
-                <a16:creationId xmlns:a16="http://schemas.microsoft.com/office/drawing/2014/main" id="{8D278C58-7344-40A5-A678-EA6711DAADF8}"/>
-              </a:ext>
-            </a:extLst>
-          </p:cNvPr>
-          <p:cNvCxnSpPr/>
-          <p:nvPr/>
-        </p:nvCxnSpPr>
-        <p:spPr>
-          <a:xfrm>
-            <a:off x="3997931" y="4928088"/>
-            <a:ext cx="301843" cy="0"/>
-          </a:xfrm>
-          <a:prstGeom prst="line">
-            <a:avLst/>
-          </a:prstGeom>
-          <a:solidFill>
-            <a:schemeClr val="bg1"/>
-          </a:solidFill>
-          <a:ln w="12700">
-            <a:solidFill>
-              <a:srgbClr val="089CA3"/>
-            </a:solidFill>
-          </a:ln>
-        </p:spPr>
-        <p:style>
-          <a:lnRef idx="1">
-            <a:schemeClr val="accent1"/>
-          </a:lnRef>
-          <a:fillRef idx="0">
-            <a:schemeClr val="accent1"/>
-          </a:fillRef>
-          <a:effectRef idx="0">
-            <a:schemeClr val="accent1"/>
-          </a:effectRef>
-          <a:fontRef idx="minor">
-            <a:schemeClr val="tx1"/>
-          </a:fontRef>
-        </p:style>
-      </p:cxnSp>
-      <p:cxnSp>
-        <p:nvCxnSpPr>
-          <p:cNvPr id="10" name="直線コネクタ 9">
-            <a:extLst>
-              <a:ext uri="{FF2B5EF4-FFF2-40B4-BE49-F238E27FC236}">
-                <a16:creationId xmlns:a16="http://schemas.microsoft.com/office/drawing/2014/main" id="{AC0A10CD-2732-45B7-BE10-91DB8EDD01D3}"/>
-              </a:ext>
-            </a:extLst>
-          </p:cNvPr>
-          <p:cNvCxnSpPr/>
-          <p:nvPr/>
-        </p:nvCxnSpPr>
-        <p:spPr>
-          <a:xfrm>
-            <a:off x="3997930" y="4985210"/>
-            <a:ext cx="301843" cy="0"/>
-          </a:xfrm>
-          <a:prstGeom prst="line">
-            <a:avLst/>
-          </a:prstGeom>
-          <a:solidFill>
-            <a:schemeClr val="bg1"/>
-          </a:solidFill>
-          <a:ln w="12700">
-            <a:solidFill>
-              <a:srgbClr val="089CA3"/>
-            </a:solidFill>
-          </a:ln>
-        </p:spPr>
-        <p:style>
-          <a:lnRef idx="1">
-            <a:schemeClr val="accent1"/>
-          </a:lnRef>
-          <a:fillRef idx="0">
-            <a:schemeClr val="accent1"/>
-          </a:fillRef>
-          <a:effectRef idx="0">
-            <a:schemeClr val="accent1"/>
-          </a:effectRef>
-          <a:fontRef idx="minor">
-            <a:schemeClr val="tx1"/>
-          </a:fontRef>
-        </p:style>
-      </p:cxnSp>
       <p:grpSp>
         <p:nvGrpSpPr>
           <p:cNvPr id="11" name="グループ化 10">
@@ -32702,7 +32432,7 @@
         </p:nvGrpSpPr>
         <p:grpSpPr>
           <a:xfrm>
-            <a:off x="5536785" y="4734590"/>
+            <a:off x="11039715" y="2407162"/>
             <a:ext cx="384463" cy="322574"/>
             <a:chOff x="1100918" y="1789018"/>
             <a:chExt cx="454925" cy="304799"/>
@@ -32734,7 +32464,10 @@
             <a:grpFill/>
             <a:ln>
               <a:solidFill>
-                <a:srgbClr val="089CA3"/>
+                <a:schemeClr val="tx1">
+                  <a:lumMod val="75000"/>
+                  <a:lumOff val="25000"/>
+                </a:schemeClr>
               </a:solidFill>
             </a:ln>
           </p:spPr>
@@ -32786,7 +32519,10 @@
             <a:grpFill/>
             <a:ln w="12700">
               <a:solidFill>
-                <a:srgbClr val="089CA3"/>
+                <a:schemeClr val="tx1">
+                  <a:lumMod val="75000"/>
+                  <a:lumOff val="25000"/>
+                </a:schemeClr>
               </a:solidFill>
             </a:ln>
           </p:spPr>
@@ -32828,7 +32564,10 @@
             <a:grpFill/>
             <a:ln w="12700">
               <a:solidFill>
-                <a:srgbClr val="089CA3"/>
+                <a:schemeClr val="tx1">
+                  <a:lumMod val="75000"/>
+                  <a:lumOff val="25000"/>
+                </a:schemeClr>
               </a:solidFill>
             </a:ln>
           </p:spPr>
@@ -32870,7 +32609,10 @@
             <a:grpFill/>
             <a:ln w="12700">
               <a:solidFill>
-                <a:srgbClr val="089CA3"/>
+                <a:schemeClr val="tx1">
+                  <a:lumMod val="75000"/>
+                  <a:lumOff val="25000"/>
+                </a:schemeClr>
               </a:solidFill>
             </a:ln>
           </p:spPr>
@@ -32912,7 +32654,10 @@
             <a:grpFill/>
             <a:ln w="12700">
               <a:solidFill>
-                <a:srgbClr val="089CA3"/>
+                <a:schemeClr val="tx1">
+                  <a:lumMod val="75000"/>
+                  <a:lumOff val="25000"/>
+                </a:schemeClr>
               </a:solidFill>
             </a:ln>
           </p:spPr>
@@ -32946,7 +32691,7 @@
         </p:nvSpPr>
         <p:spPr>
           <a:xfrm>
-            <a:off x="6786948" y="4780165"/>
+            <a:off x="8747701" y="1250005"/>
             <a:ext cx="1041376" cy="276999"/>
           </a:xfrm>
           <a:prstGeom prst="rect">
@@ -32983,7 +32728,7 @@
         </p:nvSpPr>
         <p:spPr>
           <a:xfrm>
-            <a:off x="5921248" y="4497523"/>
+            <a:off x="7913417" y="1314831"/>
             <a:ext cx="196583" cy="262564"/>
           </a:xfrm>
           <a:prstGeom prst="star4">
@@ -32993,7 +32738,12 @@
             <a:srgbClr val="FFFF00"/>
           </a:solidFill>
           <a:ln>
-            <a:noFill/>
+            <a:solidFill>
+              <a:schemeClr val="tx1">
+                <a:lumMod val="75000"/>
+                <a:lumOff val="25000"/>
+              </a:schemeClr>
+            </a:solidFill>
           </a:ln>
         </p:spPr>
         <p:style>
@@ -33035,7 +32785,7 @@
         </p:nvSpPr>
         <p:spPr>
           <a:xfrm>
-            <a:off x="5298890" y="4927884"/>
+            <a:off x="6812607" y="1560768"/>
             <a:ext cx="196583" cy="262564"/>
           </a:xfrm>
           <a:prstGeom prst="star4">
@@ -33045,7 +32795,12 @@
             <a:srgbClr val="FFFF00"/>
           </a:solidFill>
           <a:ln>
-            <a:noFill/>
+            <a:solidFill>
+              <a:schemeClr val="tx1">
+                <a:lumMod val="75000"/>
+                <a:lumOff val="25000"/>
+              </a:schemeClr>
+            </a:solidFill>
           </a:ln>
         </p:spPr>
         <p:style>
@@ -33089,7 +32844,7 @@
         </p:nvCxnSpPr>
         <p:spPr>
           <a:xfrm>
-            <a:off x="4604584" y="4907318"/>
+            <a:off x="6180586" y="1583098"/>
             <a:ext cx="550789" cy="0"/>
           </a:xfrm>
           <a:prstGeom prst="straightConnector1">
@@ -33097,7 +32852,10 @@
           </a:prstGeom>
           <a:ln w="19050">
             <a:solidFill>
-              <a:srgbClr val="089CA3"/>
+              <a:schemeClr val="tx1">
+                <a:lumMod val="75000"/>
+                <a:lumOff val="25000"/>
+              </a:schemeClr>
             </a:solidFill>
             <a:tailEnd type="triangle"/>
           </a:ln>
@@ -33133,7 +32891,7 @@
         </p:nvCxnSpPr>
         <p:spPr>
           <a:xfrm>
-            <a:off x="6236159" y="4907318"/>
+            <a:off x="8320404" y="1566494"/>
             <a:ext cx="550789" cy="0"/>
           </a:xfrm>
           <a:prstGeom prst="straightConnector1">
@@ -33141,7 +32899,10 @@
           </a:prstGeom>
           <a:ln w="19050">
             <a:solidFill>
-              <a:srgbClr val="089CA3"/>
+              <a:schemeClr val="tx1">
+                <a:lumMod val="75000"/>
+                <a:lumOff val="25000"/>
+              </a:schemeClr>
             </a:solidFill>
             <a:tailEnd type="triangle"/>
           </a:ln>
@@ -33182,7 +32943,7 @@
                 <a14:useLocalDpi xmlns:a14="http://schemas.microsoft.com/office/drawing/2010/main" val="0"/>
               </a:ext>
               <a:ext uri="{96DAC541-7B7A-43D3-8B79-37D633B846F1}">
-                <asvg:svgBlip xmlns:asvg="http://schemas.microsoft.com/office/drawing/2016/SVG/main" xmlns="" r:embed="rId3"/>
+                <asvg:svgBlip xmlns:asvg="http://schemas.microsoft.com/office/drawing/2016/SVG/main" r:embed="rId3"/>
               </a:ext>
             </a:extLst>
           </a:blip>
@@ -33281,14 +33042,6 @@
                 </a:solidFill>
               </a:rPr>
               <a:t>教師データ</a:t>
-            </a:r>
-            <a:r>
-              <a:rPr kumimoji="1" lang="en-US" altLang="ja-JP" b="1" dirty="0">
-                <a:solidFill>
-                  <a:srgbClr val="089CA3"/>
-                </a:solidFill>
-              </a:rPr>
-              <a:t/>
             </a:r>
             <a:br>
               <a:rPr kumimoji="1" lang="en-US" altLang="ja-JP" b="1" dirty="0">
@@ -33426,7 +33179,7 @@
         </p:nvSpPr>
         <p:spPr>
           <a:xfrm>
-            <a:off x="91749" y="4005094"/>
+            <a:off x="1997905" y="3817889"/>
             <a:ext cx="2315554" cy="1452210"/>
           </a:xfrm>
           <a:prstGeom prst="cloud">
@@ -33480,7 +33233,7 @@
         </p:nvCxnSpPr>
         <p:spPr>
           <a:xfrm>
-            <a:off x="927993" y="4073272"/>
+            <a:off x="2834149" y="3886067"/>
             <a:ext cx="0" cy="1279376"/>
           </a:xfrm>
           <a:prstGeom prst="line">
@@ -33524,7 +33277,7 @@
         </p:nvCxnSpPr>
         <p:spPr>
           <a:xfrm>
-            <a:off x="1589859" y="4005094"/>
+            <a:off x="3496015" y="3817889"/>
             <a:ext cx="0" cy="1320082"/>
           </a:xfrm>
           <a:prstGeom prst="line">
@@ -33566,7 +33319,7 @@
         </p:nvGrpSpPr>
         <p:grpSpPr>
           <a:xfrm>
-            <a:off x="325120" y="4793631"/>
+            <a:off x="2231276" y="4606426"/>
             <a:ext cx="537570" cy="368361"/>
             <a:chOff x="558231" y="4795771"/>
             <a:chExt cx="537570" cy="368361"/>
@@ -34367,7 +34120,7 @@
         </p:nvGrpSpPr>
         <p:grpSpPr>
           <a:xfrm>
-            <a:off x="328284" y="4278686"/>
+            <a:off x="2234440" y="4091481"/>
             <a:ext cx="537570" cy="368361"/>
             <a:chOff x="558231" y="4795771"/>
             <a:chExt cx="537570" cy="368361"/>
@@ -35168,7 +34921,7 @@
         </p:nvGrpSpPr>
         <p:grpSpPr>
           <a:xfrm>
-            <a:off x="986385" y="4735210"/>
+            <a:off x="2892541" y="4548005"/>
             <a:ext cx="537570" cy="368361"/>
             <a:chOff x="558231" y="4795771"/>
             <a:chExt cx="537570" cy="368361"/>
@@ -35972,7 +35725,7 @@
         </p:nvGrpSpPr>
         <p:grpSpPr>
           <a:xfrm>
-            <a:off x="989549" y="4220265"/>
+            <a:off x="2895705" y="4033060"/>
             <a:ext cx="537570" cy="368361"/>
             <a:chOff x="558231" y="4795771"/>
             <a:chExt cx="537570" cy="368361"/>
@@ -36776,7 +36529,7 @@
         </p:nvGrpSpPr>
         <p:grpSpPr>
           <a:xfrm>
-            <a:off x="1648541" y="4695593"/>
+            <a:off x="3554697" y="4508388"/>
             <a:ext cx="537570" cy="368361"/>
             <a:chOff x="558231" y="4795771"/>
             <a:chExt cx="537570" cy="368361"/>
@@ -37579,7 +37332,7 @@
         </p:nvGrpSpPr>
         <p:grpSpPr>
           <a:xfrm>
-            <a:off x="1651705" y="4180648"/>
+            <a:off x="3557861" y="3993443"/>
             <a:ext cx="537570" cy="368361"/>
             <a:chOff x="558231" y="4795771"/>
             <a:chExt cx="537570" cy="368361"/>
@@ -38382,7 +38135,7 @@
         </p:nvSpPr>
         <p:spPr>
           <a:xfrm>
-            <a:off x="375744" y="5466468"/>
+            <a:off x="2281900" y="5279263"/>
             <a:ext cx="1793057" cy="369332"/>
           </a:xfrm>
           <a:prstGeom prst="rect">
@@ -43376,7 +43129,7 @@
         </p:nvSpPr>
         <p:spPr>
           <a:xfrm>
-            <a:off x="6110496" y="4974817"/>
+            <a:off x="8194741" y="1633993"/>
             <a:ext cx="738664" cy="1137900"/>
           </a:xfrm>
           <a:prstGeom prst="rect">
@@ -43393,37 +43146,41 @@
             <a:r>
               <a:rPr kumimoji="1" lang="ja-JP" altLang="en-US" b="1" dirty="0">
                 <a:solidFill>
-                  <a:srgbClr val="089CA3"/>
+                  <a:schemeClr val="tx1">
+                    <a:lumMod val="75000"/>
+                    <a:lumOff val="25000"/>
+                  </a:schemeClr>
                 </a:solidFill>
               </a:rPr>
               <a:t>分散表現</a:t>
             </a:r>
-            <a:r>
-              <a:rPr kumimoji="1" lang="en-US" altLang="ja-JP" b="1" dirty="0">
-                <a:solidFill>
-                  <a:srgbClr val="089CA3"/>
-                </a:solidFill>
-              </a:rPr>
-              <a:t/>
-            </a:r>
             <a:br>
               <a:rPr kumimoji="1" lang="en-US" altLang="ja-JP" b="1" dirty="0">
                 <a:solidFill>
-                  <a:srgbClr val="089CA3"/>
+                  <a:schemeClr val="tx1">
+                    <a:lumMod val="75000"/>
+                    <a:lumOff val="25000"/>
+                  </a:schemeClr>
                 </a:solidFill>
               </a:rPr>
             </a:br>
             <a:r>
               <a:rPr kumimoji="1" lang="ja-JP" altLang="en-US" b="1" dirty="0">
                 <a:solidFill>
-                  <a:srgbClr val="089CA3"/>
+                  <a:schemeClr val="tx1">
+                    <a:lumMod val="75000"/>
+                    <a:lumOff val="25000"/>
+                  </a:schemeClr>
                 </a:solidFill>
               </a:rPr>
               <a:t>の取得</a:t>
             </a:r>
             <a:endParaRPr kumimoji="1" lang="en-US" altLang="ja-JP" b="1" dirty="0">
               <a:solidFill>
-                <a:srgbClr val="089CA3"/>
+                <a:schemeClr val="tx1">
+                  <a:lumMod val="75000"/>
+                  <a:lumOff val="25000"/>
+                </a:schemeClr>
               </a:solidFill>
             </a:endParaRPr>
           </a:p>
@@ -48212,7 +47969,7 @@
           <a:p>
             <a:pPr algn="ctr"/>
             <a:r>
-              <a:rPr kumimoji="1" lang="ja-JP" altLang="en-US" b="1" dirty="0" smtClean="0">
+              <a:rPr kumimoji="1" lang="ja-JP" altLang="en-US" b="1" dirty="0">
                 <a:solidFill>
                   <a:schemeClr val="tx1">
                     <a:lumMod val="75000"/>
@@ -48247,7 +48004,7 @@
         </p:nvSpPr>
         <p:spPr>
           <a:xfrm>
-            <a:off x="4612801" y="4948042"/>
+            <a:off x="6188803" y="1623822"/>
             <a:ext cx="461665" cy="1566680"/>
           </a:xfrm>
           <a:prstGeom prst="rect">
@@ -48264,14 +48021,20 @@
             <a:r>
               <a:rPr kumimoji="1" lang="ja-JP" altLang="en-US" b="1" dirty="0">
                 <a:solidFill>
-                  <a:srgbClr val="089CA3"/>
+                  <a:schemeClr val="tx1">
+                    <a:lumMod val="75000"/>
+                    <a:lumOff val="25000"/>
+                  </a:schemeClr>
                 </a:solidFill>
               </a:rPr>
               <a:t>前処理</a:t>
             </a:r>
             <a:endParaRPr kumimoji="1" lang="en-US" altLang="ja-JP" b="1" dirty="0">
               <a:solidFill>
-                <a:srgbClr val="089CA3"/>
+                <a:schemeClr val="tx1">
+                  <a:lumMod val="75000"/>
+                  <a:lumOff val="25000"/>
+                </a:schemeClr>
               </a:solidFill>
             </a:endParaRPr>
           </a:p>
@@ -53258,7 +53021,7 @@
         <p:spPr>
           <a:xfrm>
             <a:off x="98388" y="647727"/>
-            <a:ext cx="6019443" cy="91718"/>
+            <a:ext cx="5832000" cy="91718"/>
           </a:xfrm>
           <a:prstGeom prst="rect">
             <a:avLst/>
@@ -53325,7 +53088,7 @@
           <a:p>
             <a:pPr algn="ctr"/>
             <a:r>
-              <a:rPr kumimoji="1" lang="ja-JP" altLang="en-US" b="1" dirty="0" smtClean="0">
+              <a:rPr kumimoji="1" lang="ja-JP" altLang="en-US" b="1" dirty="0">
                 <a:solidFill>
                   <a:schemeClr val="tx1">
                     <a:lumMod val="75000"/>
@@ -53354,8 +53117,8 @@
         </p:nvSpPr>
         <p:spPr>
           <a:xfrm>
-            <a:off x="6308045" y="647727"/>
-            <a:ext cx="2715770" cy="89859"/>
+            <a:off x="6110997" y="647727"/>
+            <a:ext cx="3924000" cy="90251"/>
           </a:xfrm>
           <a:prstGeom prst="rect">
             <a:avLst/>
@@ -53406,8 +53169,8 @@
         </p:nvSpPr>
         <p:spPr>
           <a:xfrm>
-            <a:off x="6732982" y="319717"/>
-            <a:ext cx="1928028" cy="369332"/>
+            <a:off x="7237771" y="290176"/>
+            <a:ext cx="1593412" cy="369332"/>
           </a:xfrm>
           <a:prstGeom prst="rect">
             <a:avLst/>
@@ -53422,7 +53185,7 @@
           <a:p>
             <a:pPr algn="ctr"/>
             <a:r>
-              <a:rPr kumimoji="1" lang="ja-JP" altLang="en-US" b="1" dirty="0" smtClean="0">
+              <a:rPr kumimoji="1" lang="ja-JP" altLang="en-US" b="1" dirty="0">
                 <a:solidFill>
                   <a:schemeClr val="tx1">
                     <a:lumMod val="75000"/>
@@ -53440,6 +53203,2426 @@
                 </a:schemeClr>
               </a:solidFill>
             </a:endParaRPr>
+          </a:p>
+        </p:txBody>
+      </p:sp>
+      <p:grpSp>
+        <p:nvGrpSpPr>
+          <p:cNvPr id="513" name="グループ化 512">
+            <a:extLst>
+              <a:ext uri="{FF2B5EF4-FFF2-40B4-BE49-F238E27FC236}">
+                <a16:creationId xmlns:a16="http://schemas.microsoft.com/office/drawing/2014/main" id="{B2E4AD29-8DB3-4D40-8755-98E518B259A1}"/>
+              </a:ext>
+            </a:extLst>
+          </p:cNvPr>
+          <p:cNvGrpSpPr/>
+          <p:nvPr/>
+        </p:nvGrpSpPr>
+        <p:grpSpPr>
+          <a:xfrm>
+            <a:off x="7089070" y="1843421"/>
+            <a:ext cx="384463" cy="291250"/>
+            <a:chOff x="1100918" y="1789018"/>
+            <a:chExt cx="454925" cy="304799"/>
+          </a:xfrm>
+          <a:solidFill>
+            <a:schemeClr val="accent6">
+              <a:lumMod val="40000"/>
+              <a:lumOff val="60000"/>
+            </a:schemeClr>
+          </a:solidFill>
+        </p:grpSpPr>
+        <p:sp>
+          <p:nvSpPr>
+            <p:cNvPr id="514" name="正方形/長方形 513">
+              <a:extLst>
+                <a:ext uri="{FF2B5EF4-FFF2-40B4-BE49-F238E27FC236}">
+                  <a16:creationId xmlns:a16="http://schemas.microsoft.com/office/drawing/2014/main" id="{CF7FFE73-8D19-47CC-B6D3-E820D78CFCC5}"/>
+                </a:ext>
+              </a:extLst>
+            </p:cNvPr>
+            <p:cNvSpPr/>
+            <p:nvPr/>
+          </p:nvSpPr>
+          <p:spPr>
+            <a:xfrm>
+              <a:off x="1100918" y="1789018"/>
+              <a:ext cx="454925" cy="304799"/>
+            </a:xfrm>
+            <a:prstGeom prst="rect">
+              <a:avLst/>
+            </a:prstGeom>
+            <a:grpFill/>
+            <a:ln>
+              <a:solidFill>
+                <a:schemeClr val="tx1">
+                  <a:lumMod val="75000"/>
+                  <a:lumOff val="25000"/>
+                </a:schemeClr>
+              </a:solidFill>
+            </a:ln>
+          </p:spPr>
+          <p:style>
+            <a:lnRef idx="2">
+              <a:schemeClr val="accent1">
+                <a:shade val="50000"/>
+              </a:schemeClr>
+            </a:lnRef>
+            <a:fillRef idx="1">
+              <a:schemeClr val="accent1"/>
+            </a:fillRef>
+            <a:effectRef idx="0">
+              <a:schemeClr val="accent1"/>
+            </a:effectRef>
+            <a:fontRef idx="minor">
+              <a:schemeClr val="lt1"/>
+            </a:fontRef>
+          </p:style>
+          <p:txBody>
+            <a:bodyPr rtlCol="0" anchor="ctr"/>
+            <a:lstStyle/>
+            <a:p>
+              <a:pPr algn="ctr"/>
+              <a:endParaRPr kumimoji="1" lang="ja-JP" altLang="en-US"/>
+            </a:p>
+          </p:txBody>
+        </p:sp>
+        <p:cxnSp>
+          <p:nvCxnSpPr>
+            <p:cNvPr id="515" name="直線コネクタ 514">
+              <a:extLst>
+                <a:ext uri="{FF2B5EF4-FFF2-40B4-BE49-F238E27FC236}">
+                  <a16:creationId xmlns:a16="http://schemas.microsoft.com/office/drawing/2014/main" id="{0F489D5B-44F4-4EB9-B22F-4FE859267065}"/>
+                </a:ext>
+              </a:extLst>
+            </p:cNvPr>
+            <p:cNvCxnSpPr/>
+            <p:nvPr/>
+          </p:nvCxnSpPr>
+          <p:spPr>
+            <a:xfrm>
+              <a:off x="1149800" y="1851808"/>
+              <a:ext cx="357163" cy="0"/>
+            </a:xfrm>
+            <a:prstGeom prst="line">
+              <a:avLst/>
+            </a:prstGeom>
+            <a:grpFill/>
+            <a:ln w="12700">
+              <a:solidFill>
+                <a:schemeClr val="tx1">
+                  <a:lumMod val="75000"/>
+                  <a:lumOff val="25000"/>
+                </a:schemeClr>
+              </a:solidFill>
+            </a:ln>
+          </p:spPr>
+          <p:style>
+            <a:lnRef idx="1">
+              <a:schemeClr val="accent1"/>
+            </a:lnRef>
+            <a:fillRef idx="0">
+              <a:schemeClr val="accent1"/>
+            </a:fillRef>
+            <a:effectRef idx="0">
+              <a:schemeClr val="accent1"/>
+            </a:effectRef>
+            <a:fontRef idx="minor">
+              <a:schemeClr val="tx1"/>
+            </a:fontRef>
+          </p:style>
+        </p:cxnSp>
+        <p:cxnSp>
+          <p:nvCxnSpPr>
+            <p:cNvPr id="516" name="直線コネクタ 515">
+              <a:extLst>
+                <a:ext uri="{FF2B5EF4-FFF2-40B4-BE49-F238E27FC236}">
+                  <a16:creationId xmlns:a16="http://schemas.microsoft.com/office/drawing/2014/main" id="{D8D0F6B3-EB57-4C05-A39A-2C6033D67126}"/>
+                </a:ext>
+              </a:extLst>
+            </p:cNvPr>
+            <p:cNvCxnSpPr/>
+            <p:nvPr/>
+          </p:nvCxnSpPr>
+          <p:spPr>
+            <a:xfrm>
+              <a:off x="1149799" y="1908164"/>
+              <a:ext cx="357163" cy="0"/>
+            </a:xfrm>
+            <a:prstGeom prst="line">
+              <a:avLst/>
+            </a:prstGeom>
+            <a:grpFill/>
+            <a:ln w="12700">
+              <a:solidFill>
+                <a:schemeClr val="tx1">
+                  <a:lumMod val="75000"/>
+                  <a:lumOff val="25000"/>
+                </a:schemeClr>
+              </a:solidFill>
+            </a:ln>
+          </p:spPr>
+          <p:style>
+            <a:lnRef idx="1">
+              <a:schemeClr val="accent1"/>
+            </a:lnRef>
+            <a:fillRef idx="0">
+              <a:schemeClr val="accent1"/>
+            </a:fillRef>
+            <a:effectRef idx="0">
+              <a:schemeClr val="accent1"/>
+            </a:effectRef>
+            <a:fontRef idx="minor">
+              <a:schemeClr val="tx1"/>
+            </a:fontRef>
+          </p:style>
+        </p:cxnSp>
+        <p:cxnSp>
+          <p:nvCxnSpPr>
+            <p:cNvPr id="517" name="直線コネクタ 516">
+              <a:extLst>
+                <a:ext uri="{FF2B5EF4-FFF2-40B4-BE49-F238E27FC236}">
+                  <a16:creationId xmlns:a16="http://schemas.microsoft.com/office/drawing/2014/main" id="{7D4D3927-9092-4E37-997B-9E64C4E79F8F}"/>
+                </a:ext>
+              </a:extLst>
+            </p:cNvPr>
+            <p:cNvCxnSpPr/>
+            <p:nvPr/>
+          </p:nvCxnSpPr>
+          <p:spPr>
+            <a:xfrm>
+              <a:off x="1149798" y="1964520"/>
+              <a:ext cx="357163" cy="0"/>
+            </a:xfrm>
+            <a:prstGeom prst="line">
+              <a:avLst/>
+            </a:prstGeom>
+            <a:grpFill/>
+            <a:ln w="12700">
+              <a:solidFill>
+                <a:schemeClr val="tx1">
+                  <a:lumMod val="75000"/>
+                  <a:lumOff val="25000"/>
+                </a:schemeClr>
+              </a:solidFill>
+            </a:ln>
+          </p:spPr>
+          <p:style>
+            <a:lnRef idx="1">
+              <a:schemeClr val="accent1"/>
+            </a:lnRef>
+            <a:fillRef idx="0">
+              <a:schemeClr val="accent1"/>
+            </a:fillRef>
+            <a:effectRef idx="0">
+              <a:schemeClr val="accent1"/>
+            </a:effectRef>
+            <a:fontRef idx="minor">
+              <a:schemeClr val="tx1"/>
+            </a:fontRef>
+          </p:style>
+        </p:cxnSp>
+        <p:cxnSp>
+          <p:nvCxnSpPr>
+            <p:cNvPr id="518" name="直線コネクタ 517">
+              <a:extLst>
+                <a:ext uri="{FF2B5EF4-FFF2-40B4-BE49-F238E27FC236}">
+                  <a16:creationId xmlns:a16="http://schemas.microsoft.com/office/drawing/2014/main" id="{D8803897-FCE4-4C23-A610-F3D1A3725399}"/>
+                </a:ext>
+              </a:extLst>
+            </p:cNvPr>
+            <p:cNvCxnSpPr/>
+            <p:nvPr/>
+          </p:nvCxnSpPr>
+          <p:spPr>
+            <a:xfrm>
+              <a:off x="1149797" y="2018495"/>
+              <a:ext cx="357163" cy="0"/>
+            </a:xfrm>
+            <a:prstGeom prst="line">
+              <a:avLst/>
+            </a:prstGeom>
+            <a:grpFill/>
+            <a:ln w="12700">
+              <a:solidFill>
+                <a:schemeClr val="tx1">
+                  <a:lumMod val="75000"/>
+                  <a:lumOff val="25000"/>
+                </a:schemeClr>
+              </a:solidFill>
+            </a:ln>
+          </p:spPr>
+          <p:style>
+            <a:lnRef idx="1">
+              <a:schemeClr val="accent1"/>
+            </a:lnRef>
+            <a:fillRef idx="0">
+              <a:schemeClr val="accent1"/>
+            </a:fillRef>
+            <a:effectRef idx="0">
+              <a:schemeClr val="accent1"/>
+            </a:effectRef>
+            <a:fontRef idx="minor">
+              <a:schemeClr val="tx1"/>
+            </a:fontRef>
+          </p:style>
+        </p:cxnSp>
+      </p:grpSp>
+      <p:grpSp>
+        <p:nvGrpSpPr>
+          <p:cNvPr id="519" name="グループ化 518">
+            <a:extLst>
+              <a:ext uri="{FF2B5EF4-FFF2-40B4-BE49-F238E27FC236}">
+                <a16:creationId xmlns:a16="http://schemas.microsoft.com/office/drawing/2014/main" id="{0F9D7834-0DDF-4805-A552-957CDEAC16E4}"/>
+              </a:ext>
+            </a:extLst>
+          </p:cNvPr>
+          <p:cNvGrpSpPr/>
+          <p:nvPr/>
+        </p:nvGrpSpPr>
+        <p:grpSpPr>
+          <a:xfrm>
+            <a:off x="7012263" y="1875105"/>
+            <a:ext cx="384463" cy="291250"/>
+            <a:chOff x="1100918" y="1789018"/>
+            <a:chExt cx="454925" cy="304799"/>
+          </a:xfrm>
+          <a:solidFill>
+            <a:srgbClr val="FFCCFF"/>
+          </a:solidFill>
+        </p:grpSpPr>
+        <p:sp>
+          <p:nvSpPr>
+            <p:cNvPr id="520" name="正方形/長方形 519">
+              <a:extLst>
+                <a:ext uri="{FF2B5EF4-FFF2-40B4-BE49-F238E27FC236}">
+                  <a16:creationId xmlns:a16="http://schemas.microsoft.com/office/drawing/2014/main" id="{170B8B89-AE3F-4445-9CF6-197CC5951E94}"/>
+                </a:ext>
+              </a:extLst>
+            </p:cNvPr>
+            <p:cNvSpPr/>
+            <p:nvPr/>
+          </p:nvSpPr>
+          <p:spPr>
+            <a:xfrm>
+              <a:off x="1100918" y="1789018"/>
+              <a:ext cx="454925" cy="304799"/>
+            </a:xfrm>
+            <a:prstGeom prst="rect">
+              <a:avLst/>
+            </a:prstGeom>
+            <a:grpFill/>
+            <a:ln>
+              <a:solidFill>
+                <a:schemeClr val="tx1">
+                  <a:lumMod val="75000"/>
+                  <a:lumOff val="25000"/>
+                </a:schemeClr>
+              </a:solidFill>
+            </a:ln>
+          </p:spPr>
+          <p:style>
+            <a:lnRef idx="2">
+              <a:schemeClr val="accent1">
+                <a:shade val="50000"/>
+              </a:schemeClr>
+            </a:lnRef>
+            <a:fillRef idx="1">
+              <a:schemeClr val="accent1"/>
+            </a:fillRef>
+            <a:effectRef idx="0">
+              <a:schemeClr val="accent1"/>
+            </a:effectRef>
+            <a:fontRef idx="minor">
+              <a:schemeClr val="lt1"/>
+            </a:fontRef>
+          </p:style>
+          <p:txBody>
+            <a:bodyPr rtlCol="0" anchor="ctr"/>
+            <a:lstStyle/>
+            <a:p>
+              <a:pPr algn="ctr"/>
+              <a:endParaRPr kumimoji="1" lang="ja-JP" altLang="en-US"/>
+            </a:p>
+          </p:txBody>
+        </p:sp>
+        <p:cxnSp>
+          <p:nvCxnSpPr>
+            <p:cNvPr id="521" name="直線コネクタ 520">
+              <a:extLst>
+                <a:ext uri="{FF2B5EF4-FFF2-40B4-BE49-F238E27FC236}">
+                  <a16:creationId xmlns:a16="http://schemas.microsoft.com/office/drawing/2014/main" id="{CA2C1BE0-3392-403B-AAD6-2DD994D9B830}"/>
+                </a:ext>
+              </a:extLst>
+            </p:cNvPr>
+            <p:cNvCxnSpPr/>
+            <p:nvPr/>
+          </p:nvCxnSpPr>
+          <p:spPr>
+            <a:xfrm>
+              <a:off x="1149800" y="1851808"/>
+              <a:ext cx="357163" cy="0"/>
+            </a:xfrm>
+            <a:prstGeom prst="line">
+              <a:avLst/>
+            </a:prstGeom>
+            <a:grpFill/>
+            <a:ln w="12700">
+              <a:solidFill>
+                <a:schemeClr val="tx1">
+                  <a:lumMod val="75000"/>
+                  <a:lumOff val="25000"/>
+                </a:schemeClr>
+              </a:solidFill>
+            </a:ln>
+          </p:spPr>
+          <p:style>
+            <a:lnRef idx="1">
+              <a:schemeClr val="accent1"/>
+            </a:lnRef>
+            <a:fillRef idx="0">
+              <a:schemeClr val="accent1"/>
+            </a:fillRef>
+            <a:effectRef idx="0">
+              <a:schemeClr val="accent1"/>
+            </a:effectRef>
+            <a:fontRef idx="minor">
+              <a:schemeClr val="tx1"/>
+            </a:fontRef>
+          </p:style>
+        </p:cxnSp>
+        <p:cxnSp>
+          <p:nvCxnSpPr>
+            <p:cNvPr id="522" name="直線コネクタ 521">
+              <a:extLst>
+                <a:ext uri="{FF2B5EF4-FFF2-40B4-BE49-F238E27FC236}">
+                  <a16:creationId xmlns:a16="http://schemas.microsoft.com/office/drawing/2014/main" id="{60B7B23B-23E4-4034-BDD7-8B5A32CEA087}"/>
+                </a:ext>
+              </a:extLst>
+            </p:cNvPr>
+            <p:cNvCxnSpPr/>
+            <p:nvPr/>
+          </p:nvCxnSpPr>
+          <p:spPr>
+            <a:xfrm>
+              <a:off x="1149799" y="1908164"/>
+              <a:ext cx="357163" cy="0"/>
+            </a:xfrm>
+            <a:prstGeom prst="line">
+              <a:avLst/>
+            </a:prstGeom>
+            <a:grpFill/>
+            <a:ln w="12700">
+              <a:solidFill>
+                <a:schemeClr val="tx1">
+                  <a:lumMod val="75000"/>
+                  <a:lumOff val="25000"/>
+                </a:schemeClr>
+              </a:solidFill>
+            </a:ln>
+          </p:spPr>
+          <p:style>
+            <a:lnRef idx="1">
+              <a:schemeClr val="accent1"/>
+            </a:lnRef>
+            <a:fillRef idx="0">
+              <a:schemeClr val="accent1"/>
+            </a:fillRef>
+            <a:effectRef idx="0">
+              <a:schemeClr val="accent1"/>
+            </a:effectRef>
+            <a:fontRef idx="minor">
+              <a:schemeClr val="tx1"/>
+            </a:fontRef>
+          </p:style>
+        </p:cxnSp>
+        <p:cxnSp>
+          <p:nvCxnSpPr>
+            <p:cNvPr id="523" name="直線コネクタ 522">
+              <a:extLst>
+                <a:ext uri="{FF2B5EF4-FFF2-40B4-BE49-F238E27FC236}">
+                  <a16:creationId xmlns:a16="http://schemas.microsoft.com/office/drawing/2014/main" id="{CED0D1D8-51A6-4E0E-B26A-EA4FD36EC1BA}"/>
+                </a:ext>
+              </a:extLst>
+            </p:cNvPr>
+            <p:cNvCxnSpPr/>
+            <p:nvPr/>
+          </p:nvCxnSpPr>
+          <p:spPr>
+            <a:xfrm>
+              <a:off x="1149798" y="1964520"/>
+              <a:ext cx="357163" cy="0"/>
+            </a:xfrm>
+            <a:prstGeom prst="line">
+              <a:avLst/>
+            </a:prstGeom>
+            <a:grpFill/>
+            <a:ln w="12700">
+              <a:solidFill>
+                <a:schemeClr val="tx1">
+                  <a:lumMod val="75000"/>
+                  <a:lumOff val="25000"/>
+                </a:schemeClr>
+              </a:solidFill>
+            </a:ln>
+          </p:spPr>
+          <p:style>
+            <a:lnRef idx="1">
+              <a:schemeClr val="accent1"/>
+            </a:lnRef>
+            <a:fillRef idx="0">
+              <a:schemeClr val="accent1"/>
+            </a:fillRef>
+            <a:effectRef idx="0">
+              <a:schemeClr val="accent1"/>
+            </a:effectRef>
+            <a:fontRef idx="minor">
+              <a:schemeClr val="tx1"/>
+            </a:fontRef>
+          </p:style>
+        </p:cxnSp>
+        <p:cxnSp>
+          <p:nvCxnSpPr>
+            <p:cNvPr id="524" name="直線コネクタ 523">
+              <a:extLst>
+                <a:ext uri="{FF2B5EF4-FFF2-40B4-BE49-F238E27FC236}">
+                  <a16:creationId xmlns:a16="http://schemas.microsoft.com/office/drawing/2014/main" id="{A667E5EA-D73E-4DD1-9B9F-7CFC079889A2}"/>
+                </a:ext>
+              </a:extLst>
+            </p:cNvPr>
+            <p:cNvCxnSpPr/>
+            <p:nvPr/>
+          </p:nvCxnSpPr>
+          <p:spPr>
+            <a:xfrm>
+              <a:off x="1149797" y="2018495"/>
+              <a:ext cx="357163" cy="0"/>
+            </a:xfrm>
+            <a:prstGeom prst="line">
+              <a:avLst/>
+            </a:prstGeom>
+            <a:grpFill/>
+            <a:ln w="12700">
+              <a:solidFill>
+                <a:schemeClr val="tx1">
+                  <a:lumMod val="75000"/>
+                  <a:lumOff val="25000"/>
+                </a:schemeClr>
+              </a:solidFill>
+            </a:ln>
+          </p:spPr>
+          <p:style>
+            <a:lnRef idx="1">
+              <a:schemeClr val="accent1"/>
+            </a:lnRef>
+            <a:fillRef idx="0">
+              <a:schemeClr val="accent1"/>
+            </a:fillRef>
+            <a:effectRef idx="0">
+              <a:schemeClr val="accent1"/>
+            </a:effectRef>
+            <a:fontRef idx="minor">
+              <a:schemeClr val="tx1"/>
+            </a:fontRef>
+          </p:style>
+        </p:cxnSp>
+      </p:grpSp>
+      <p:grpSp>
+        <p:nvGrpSpPr>
+          <p:cNvPr id="525" name="グループ化 524">
+            <a:extLst>
+              <a:ext uri="{FF2B5EF4-FFF2-40B4-BE49-F238E27FC236}">
+                <a16:creationId xmlns:a16="http://schemas.microsoft.com/office/drawing/2014/main" id="{DF142E0E-585E-43CC-8F00-79E0857F7370}"/>
+              </a:ext>
+            </a:extLst>
+          </p:cNvPr>
+          <p:cNvGrpSpPr/>
+          <p:nvPr/>
+        </p:nvGrpSpPr>
+        <p:grpSpPr>
+          <a:xfrm>
+            <a:off x="6935456" y="1907182"/>
+            <a:ext cx="384463" cy="291250"/>
+            <a:chOff x="1100918" y="1789018"/>
+            <a:chExt cx="454925" cy="304799"/>
+          </a:xfrm>
+          <a:solidFill>
+            <a:schemeClr val="bg1">
+              <a:lumMod val="85000"/>
+            </a:schemeClr>
+          </a:solidFill>
+        </p:grpSpPr>
+        <p:sp>
+          <p:nvSpPr>
+            <p:cNvPr id="526" name="正方形/長方形 525">
+              <a:extLst>
+                <a:ext uri="{FF2B5EF4-FFF2-40B4-BE49-F238E27FC236}">
+                  <a16:creationId xmlns:a16="http://schemas.microsoft.com/office/drawing/2014/main" id="{C4453E5C-BAD7-4864-AA8B-B7AFECBC920D}"/>
+                </a:ext>
+              </a:extLst>
+            </p:cNvPr>
+            <p:cNvSpPr/>
+            <p:nvPr/>
+          </p:nvSpPr>
+          <p:spPr>
+            <a:xfrm>
+              <a:off x="1100918" y="1789018"/>
+              <a:ext cx="454925" cy="304799"/>
+            </a:xfrm>
+            <a:prstGeom prst="rect">
+              <a:avLst/>
+            </a:prstGeom>
+            <a:grpFill/>
+            <a:ln>
+              <a:solidFill>
+                <a:schemeClr val="tx1">
+                  <a:lumMod val="75000"/>
+                  <a:lumOff val="25000"/>
+                </a:schemeClr>
+              </a:solidFill>
+            </a:ln>
+          </p:spPr>
+          <p:style>
+            <a:lnRef idx="2">
+              <a:schemeClr val="accent1">
+                <a:shade val="50000"/>
+              </a:schemeClr>
+            </a:lnRef>
+            <a:fillRef idx="1">
+              <a:schemeClr val="accent1"/>
+            </a:fillRef>
+            <a:effectRef idx="0">
+              <a:schemeClr val="accent1"/>
+            </a:effectRef>
+            <a:fontRef idx="minor">
+              <a:schemeClr val="lt1"/>
+            </a:fontRef>
+          </p:style>
+          <p:txBody>
+            <a:bodyPr rtlCol="0" anchor="ctr"/>
+            <a:lstStyle/>
+            <a:p>
+              <a:pPr algn="ctr"/>
+              <a:endParaRPr kumimoji="1" lang="ja-JP" altLang="en-US"/>
+            </a:p>
+          </p:txBody>
+        </p:sp>
+        <p:cxnSp>
+          <p:nvCxnSpPr>
+            <p:cNvPr id="527" name="直線コネクタ 526">
+              <a:extLst>
+                <a:ext uri="{FF2B5EF4-FFF2-40B4-BE49-F238E27FC236}">
+                  <a16:creationId xmlns:a16="http://schemas.microsoft.com/office/drawing/2014/main" id="{0391F533-7C4A-438B-AAC4-AE0261F5CFBB}"/>
+                </a:ext>
+              </a:extLst>
+            </p:cNvPr>
+            <p:cNvCxnSpPr/>
+            <p:nvPr/>
+          </p:nvCxnSpPr>
+          <p:spPr>
+            <a:xfrm>
+              <a:off x="1149800" y="1851808"/>
+              <a:ext cx="357163" cy="0"/>
+            </a:xfrm>
+            <a:prstGeom prst="line">
+              <a:avLst/>
+            </a:prstGeom>
+            <a:grpFill/>
+            <a:ln w="12700">
+              <a:solidFill>
+                <a:schemeClr val="tx1">
+                  <a:lumMod val="75000"/>
+                  <a:lumOff val="25000"/>
+                </a:schemeClr>
+              </a:solidFill>
+            </a:ln>
+          </p:spPr>
+          <p:style>
+            <a:lnRef idx="1">
+              <a:schemeClr val="accent1"/>
+            </a:lnRef>
+            <a:fillRef idx="0">
+              <a:schemeClr val="accent1"/>
+            </a:fillRef>
+            <a:effectRef idx="0">
+              <a:schemeClr val="accent1"/>
+            </a:effectRef>
+            <a:fontRef idx="minor">
+              <a:schemeClr val="tx1"/>
+            </a:fontRef>
+          </p:style>
+        </p:cxnSp>
+        <p:cxnSp>
+          <p:nvCxnSpPr>
+            <p:cNvPr id="528" name="直線コネクタ 527">
+              <a:extLst>
+                <a:ext uri="{FF2B5EF4-FFF2-40B4-BE49-F238E27FC236}">
+                  <a16:creationId xmlns:a16="http://schemas.microsoft.com/office/drawing/2014/main" id="{8EA35451-E6C6-42E0-9DCB-CBA92B00F01C}"/>
+                </a:ext>
+              </a:extLst>
+            </p:cNvPr>
+            <p:cNvCxnSpPr/>
+            <p:nvPr/>
+          </p:nvCxnSpPr>
+          <p:spPr>
+            <a:xfrm>
+              <a:off x="1149799" y="1908164"/>
+              <a:ext cx="357163" cy="0"/>
+            </a:xfrm>
+            <a:prstGeom prst="line">
+              <a:avLst/>
+            </a:prstGeom>
+            <a:grpFill/>
+            <a:ln w="12700">
+              <a:solidFill>
+                <a:schemeClr val="tx1">
+                  <a:lumMod val="75000"/>
+                  <a:lumOff val="25000"/>
+                </a:schemeClr>
+              </a:solidFill>
+            </a:ln>
+          </p:spPr>
+          <p:style>
+            <a:lnRef idx="1">
+              <a:schemeClr val="accent1"/>
+            </a:lnRef>
+            <a:fillRef idx="0">
+              <a:schemeClr val="accent1"/>
+            </a:fillRef>
+            <a:effectRef idx="0">
+              <a:schemeClr val="accent1"/>
+            </a:effectRef>
+            <a:fontRef idx="minor">
+              <a:schemeClr val="tx1"/>
+            </a:fontRef>
+          </p:style>
+        </p:cxnSp>
+        <p:cxnSp>
+          <p:nvCxnSpPr>
+            <p:cNvPr id="529" name="直線コネクタ 528">
+              <a:extLst>
+                <a:ext uri="{FF2B5EF4-FFF2-40B4-BE49-F238E27FC236}">
+                  <a16:creationId xmlns:a16="http://schemas.microsoft.com/office/drawing/2014/main" id="{3A29E8F9-8CC7-4FF5-9DB3-1BA3B7B95036}"/>
+                </a:ext>
+              </a:extLst>
+            </p:cNvPr>
+            <p:cNvCxnSpPr/>
+            <p:nvPr/>
+          </p:nvCxnSpPr>
+          <p:spPr>
+            <a:xfrm>
+              <a:off x="1149798" y="1964520"/>
+              <a:ext cx="357163" cy="0"/>
+            </a:xfrm>
+            <a:prstGeom prst="line">
+              <a:avLst/>
+            </a:prstGeom>
+            <a:grpFill/>
+            <a:ln w="12700">
+              <a:solidFill>
+                <a:schemeClr val="tx1">
+                  <a:lumMod val="75000"/>
+                  <a:lumOff val="25000"/>
+                </a:schemeClr>
+              </a:solidFill>
+            </a:ln>
+          </p:spPr>
+          <p:style>
+            <a:lnRef idx="1">
+              <a:schemeClr val="accent1"/>
+            </a:lnRef>
+            <a:fillRef idx="0">
+              <a:schemeClr val="accent1"/>
+            </a:fillRef>
+            <a:effectRef idx="0">
+              <a:schemeClr val="accent1"/>
+            </a:effectRef>
+            <a:fontRef idx="minor">
+              <a:schemeClr val="tx1"/>
+            </a:fontRef>
+          </p:style>
+        </p:cxnSp>
+        <p:cxnSp>
+          <p:nvCxnSpPr>
+            <p:cNvPr id="530" name="直線コネクタ 529">
+              <a:extLst>
+                <a:ext uri="{FF2B5EF4-FFF2-40B4-BE49-F238E27FC236}">
+                  <a16:creationId xmlns:a16="http://schemas.microsoft.com/office/drawing/2014/main" id="{6227207D-C586-4CF2-B8A4-BBD9D050E648}"/>
+                </a:ext>
+              </a:extLst>
+            </p:cNvPr>
+            <p:cNvCxnSpPr/>
+            <p:nvPr/>
+          </p:nvCxnSpPr>
+          <p:spPr>
+            <a:xfrm>
+              <a:off x="1149797" y="2018495"/>
+              <a:ext cx="357163" cy="0"/>
+            </a:xfrm>
+            <a:prstGeom prst="line">
+              <a:avLst/>
+            </a:prstGeom>
+            <a:grpFill/>
+            <a:ln w="12700">
+              <a:solidFill>
+                <a:schemeClr val="tx1">
+                  <a:lumMod val="75000"/>
+                  <a:lumOff val="25000"/>
+                </a:schemeClr>
+              </a:solidFill>
+            </a:ln>
+          </p:spPr>
+          <p:style>
+            <a:lnRef idx="1">
+              <a:schemeClr val="accent1"/>
+            </a:lnRef>
+            <a:fillRef idx="0">
+              <a:schemeClr val="accent1"/>
+            </a:fillRef>
+            <a:effectRef idx="0">
+              <a:schemeClr val="accent1"/>
+            </a:effectRef>
+            <a:fontRef idx="minor">
+              <a:schemeClr val="tx1"/>
+            </a:fontRef>
+          </p:style>
+        </p:cxnSp>
+      </p:grpSp>
+      <p:grpSp>
+        <p:nvGrpSpPr>
+          <p:cNvPr id="531" name="グループ化 530">
+            <a:extLst>
+              <a:ext uri="{FF2B5EF4-FFF2-40B4-BE49-F238E27FC236}">
+                <a16:creationId xmlns:a16="http://schemas.microsoft.com/office/drawing/2014/main" id="{60CE5328-B68F-4966-83B2-258A84D9D86A}"/>
+              </a:ext>
+            </a:extLst>
+          </p:cNvPr>
+          <p:cNvGrpSpPr/>
+          <p:nvPr/>
+        </p:nvGrpSpPr>
+        <p:grpSpPr>
+          <a:xfrm>
+            <a:off x="7342663" y="1388627"/>
+            <a:ext cx="384463" cy="291250"/>
+            <a:chOff x="1100918" y="1789018"/>
+            <a:chExt cx="454925" cy="304799"/>
+          </a:xfrm>
+          <a:solidFill>
+            <a:srgbClr val="FFCCFF"/>
+          </a:solidFill>
+        </p:grpSpPr>
+        <p:sp>
+          <p:nvSpPr>
+            <p:cNvPr id="532" name="正方形/長方形 531">
+              <a:extLst>
+                <a:ext uri="{FF2B5EF4-FFF2-40B4-BE49-F238E27FC236}">
+                  <a16:creationId xmlns:a16="http://schemas.microsoft.com/office/drawing/2014/main" id="{9277BE5C-F430-40AF-A0DD-FAB7163B6F4D}"/>
+                </a:ext>
+              </a:extLst>
+            </p:cNvPr>
+            <p:cNvSpPr/>
+            <p:nvPr/>
+          </p:nvSpPr>
+          <p:spPr>
+            <a:xfrm>
+              <a:off x="1100918" y="1789018"/>
+              <a:ext cx="454925" cy="304799"/>
+            </a:xfrm>
+            <a:prstGeom prst="rect">
+              <a:avLst/>
+            </a:prstGeom>
+            <a:grpFill/>
+            <a:ln>
+              <a:solidFill>
+                <a:schemeClr val="tx1">
+                  <a:lumMod val="75000"/>
+                  <a:lumOff val="25000"/>
+                </a:schemeClr>
+              </a:solidFill>
+            </a:ln>
+          </p:spPr>
+          <p:style>
+            <a:lnRef idx="2">
+              <a:schemeClr val="accent1">
+                <a:shade val="50000"/>
+              </a:schemeClr>
+            </a:lnRef>
+            <a:fillRef idx="1">
+              <a:schemeClr val="accent1"/>
+            </a:fillRef>
+            <a:effectRef idx="0">
+              <a:schemeClr val="accent1"/>
+            </a:effectRef>
+            <a:fontRef idx="minor">
+              <a:schemeClr val="lt1"/>
+            </a:fontRef>
+          </p:style>
+          <p:txBody>
+            <a:bodyPr rtlCol="0" anchor="ctr"/>
+            <a:lstStyle/>
+            <a:p>
+              <a:pPr algn="ctr"/>
+              <a:endParaRPr kumimoji="1" lang="ja-JP" altLang="en-US"/>
+            </a:p>
+          </p:txBody>
+        </p:sp>
+        <p:cxnSp>
+          <p:nvCxnSpPr>
+            <p:cNvPr id="533" name="直線コネクタ 532">
+              <a:extLst>
+                <a:ext uri="{FF2B5EF4-FFF2-40B4-BE49-F238E27FC236}">
+                  <a16:creationId xmlns:a16="http://schemas.microsoft.com/office/drawing/2014/main" id="{8F4E05E9-5E13-480A-AB61-72C93912EB07}"/>
+                </a:ext>
+              </a:extLst>
+            </p:cNvPr>
+            <p:cNvCxnSpPr/>
+            <p:nvPr/>
+          </p:nvCxnSpPr>
+          <p:spPr>
+            <a:xfrm>
+              <a:off x="1149800" y="1851808"/>
+              <a:ext cx="357163" cy="0"/>
+            </a:xfrm>
+            <a:prstGeom prst="line">
+              <a:avLst/>
+            </a:prstGeom>
+            <a:grpFill/>
+            <a:ln w="12700">
+              <a:solidFill>
+                <a:schemeClr val="tx1">
+                  <a:lumMod val="75000"/>
+                  <a:lumOff val="25000"/>
+                </a:schemeClr>
+              </a:solidFill>
+            </a:ln>
+          </p:spPr>
+          <p:style>
+            <a:lnRef idx="1">
+              <a:schemeClr val="accent1"/>
+            </a:lnRef>
+            <a:fillRef idx="0">
+              <a:schemeClr val="accent1"/>
+            </a:fillRef>
+            <a:effectRef idx="0">
+              <a:schemeClr val="accent1"/>
+            </a:effectRef>
+            <a:fontRef idx="minor">
+              <a:schemeClr val="tx1"/>
+            </a:fontRef>
+          </p:style>
+        </p:cxnSp>
+        <p:cxnSp>
+          <p:nvCxnSpPr>
+            <p:cNvPr id="534" name="直線コネクタ 533">
+              <a:extLst>
+                <a:ext uri="{FF2B5EF4-FFF2-40B4-BE49-F238E27FC236}">
+                  <a16:creationId xmlns:a16="http://schemas.microsoft.com/office/drawing/2014/main" id="{32C3A173-CAF2-49EB-84FA-07477D9B2DBC}"/>
+                </a:ext>
+              </a:extLst>
+            </p:cNvPr>
+            <p:cNvCxnSpPr/>
+            <p:nvPr/>
+          </p:nvCxnSpPr>
+          <p:spPr>
+            <a:xfrm>
+              <a:off x="1149799" y="1908164"/>
+              <a:ext cx="357163" cy="0"/>
+            </a:xfrm>
+            <a:prstGeom prst="line">
+              <a:avLst/>
+            </a:prstGeom>
+            <a:grpFill/>
+            <a:ln w="12700">
+              <a:solidFill>
+                <a:schemeClr val="tx1">
+                  <a:lumMod val="75000"/>
+                  <a:lumOff val="25000"/>
+                </a:schemeClr>
+              </a:solidFill>
+            </a:ln>
+          </p:spPr>
+          <p:style>
+            <a:lnRef idx="1">
+              <a:schemeClr val="accent1"/>
+            </a:lnRef>
+            <a:fillRef idx="0">
+              <a:schemeClr val="accent1"/>
+            </a:fillRef>
+            <a:effectRef idx="0">
+              <a:schemeClr val="accent1"/>
+            </a:effectRef>
+            <a:fontRef idx="minor">
+              <a:schemeClr val="tx1"/>
+            </a:fontRef>
+          </p:style>
+        </p:cxnSp>
+        <p:cxnSp>
+          <p:nvCxnSpPr>
+            <p:cNvPr id="535" name="直線コネクタ 534">
+              <a:extLst>
+                <a:ext uri="{FF2B5EF4-FFF2-40B4-BE49-F238E27FC236}">
+                  <a16:creationId xmlns:a16="http://schemas.microsoft.com/office/drawing/2014/main" id="{F2CECA85-D1B0-40E4-95ED-439A44B8AF05}"/>
+                </a:ext>
+              </a:extLst>
+            </p:cNvPr>
+            <p:cNvCxnSpPr/>
+            <p:nvPr/>
+          </p:nvCxnSpPr>
+          <p:spPr>
+            <a:xfrm>
+              <a:off x="1149798" y="1964520"/>
+              <a:ext cx="357163" cy="0"/>
+            </a:xfrm>
+            <a:prstGeom prst="line">
+              <a:avLst/>
+            </a:prstGeom>
+            <a:grpFill/>
+            <a:ln w="12700">
+              <a:solidFill>
+                <a:schemeClr val="tx1">
+                  <a:lumMod val="75000"/>
+                  <a:lumOff val="25000"/>
+                </a:schemeClr>
+              </a:solidFill>
+            </a:ln>
+          </p:spPr>
+          <p:style>
+            <a:lnRef idx="1">
+              <a:schemeClr val="accent1"/>
+            </a:lnRef>
+            <a:fillRef idx="0">
+              <a:schemeClr val="accent1"/>
+            </a:fillRef>
+            <a:effectRef idx="0">
+              <a:schemeClr val="accent1"/>
+            </a:effectRef>
+            <a:fontRef idx="minor">
+              <a:schemeClr val="tx1"/>
+            </a:fontRef>
+          </p:style>
+        </p:cxnSp>
+        <p:cxnSp>
+          <p:nvCxnSpPr>
+            <p:cNvPr id="536" name="直線コネクタ 535">
+              <a:extLst>
+                <a:ext uri="{FF2B5EF4-FFF2-40B4-BE49-F238E27FC236}">
+                  <a16:creationId xmlns:a16="http://schemas.microsoft.com/office/drawing/2014/main" id="{3834AC9A-FEF5-4FF7-96D0-EC65DBF48A22}"/>
+                </a:ext>
+              </a:extLst>
+            </p:cNvPr>
+            <p:cNvCxnSpPr/>
+            <p:nvPr/>
+          </p:nvCxnSpPr>
+          <p:spPr>
+            <a:xfrm>
+              <a:off x="1149797" y="2018495"/>
+              <a:ext cx="357163" cy="0"/>
+            </a:xfrm>
+            <a:prstGeom prst="line">
+              <a:avLst/>
+            </a:prstGeom>
+            <a:grpFill/>
+            <a:ln w="12700">
+              <a:solidFill>
+                <a:schemeClr val="tx1">
+                  <a:lumMod val="75000"/>
+                  <a:lumOff val="25000"/>
+                </a:schemeClr>
+              </a:solidFill>
+            </a:ln>
+          </p:spPr>
+          <p:style>
+            <a:lnRef idx="1">
+              <a:schemeClr val="accent1"/>
+            </a:lnRef>
+            <a:fillRef idx="0">
+              <a:schemeClr val="accent1"/>
+            </a:fillRef>
+            <a:effectRef idx="0">
+              <a:schemeClr val="accent1"/>
+            </a:effectRef>
+            <a:fontRef idx="minor">
+              <a:schemeClr val="tx1"/>
+            </a:fontRef>
+          </p:style>
+        </p:cxnSp>
+      </p:grpSp>
+      <p:grpSp>
+        <p:nvGrpSpPr>
+          <p:cNvPr id="537" name="グループ化 536">
+            <a:extLst>
+              <a:ext uri="{FF2B5EF4-FFF2-40B4-BE49-F238E27FC236}">
+                <a16:creationId xmlns:a16="http://schemas.microsoft.com/office/drawing/2014/main" id="{59F4EF49-351E-4ABB-A419-0FC9B3B4F137}"/>
+              </a:ext>
+            </a:extLst>
+          </p:cNvPr>
+          <p:cNvGrpSpPr/>
+          <p:nvPr/>
+        </p:nvGrpSpPr>
+        <p:grpSpPr>
+          <a:xfrm>
+            <a:off x="7265856" y="1420311"/>
+            <a:ext cx="384463" cy="291250"/>
+            <a:chOff x="1100918" y="1789018"/>
+            <a:chExt cx="454925" cy="304799"/>
+          </a:xfrm>
+          <a:solidFill>
+            <a:schemeClr val="bg1">
+              <a:lumMod val="85000"/>
+            </a:schemeClr>
+          </a:solidFill>
+        </p:grpSpPr>
+        <p:sp>
+          <p:nvSpPr>
+            <p:cNvPr id="538" name="正方形/長方形 537">
+              <a:extLst>
+                <a:ext uri="{FF2B5EF4-FFF2-40B4-BE49-F238E27FC236}">
+                  <a16:creationId xmlns:a16="http://schemas.microsoft.com/office/drawing/2014/main" id="{162ABD0B-53FD-4BC4-8BBC-B4EEB21AB43C}"/>
+                </a:ext>
+              </a:extLst>
+            </p:cNvPr>
+            <p:cNvSpPr/>
+            <p:nvPr/>
+          </p:nvSpPr>
+          <p:spPr>
+            <a:xfrm>
+              <a:off x="1100918" y="1789018"/>
+              <a:ext cx="454925" cy="304799"/>
+            </a:xfrm>
+            <a:prstGeom prst="rect">
+              <a:avLst/>
+            </a:prstGeom>
+            <a:grpFill/>
+            <a:ln>
+              <a:solidFill>
+                <a:schemeClr val="tx1">
+                  <a:lumMod val="75000"/>
+                  <a:lumOff val="25000"/>
+                </a:schemeClr>
+              </a:solidFill>
+            </a:ln>
+          </p:spPr>
+          <p:style>
+            <a:lnRef idx="2">
+              <a:schemeClr val="accent1">
+                <a:shade val="50000"/>
+              </a:schemeClr>
+            </a:lnRef>
+            <a:fillRef idx="1">
+              <a:schemeClr val="accent1"/>
+            </a:fillRef>
+            <a:effectRef idx="0">
+              <a:schemeClr val="accent1"/>
+            </a:effectRef>
+            <a:fontRef idx="minor">
+              <a:schemeClr val="lt1"/>
+            </a:fontRef>
+          </p:style>
+          <p:txBody>
+            <a:bodyPr rtlCol="0" anchor="ctr"/>
+            <a:lstStyle/>
+            <a:p>
+              <a:pPr algn="ctr"/>
+              <a:endParaRPr kumimoji="1" lang="ja-JP" altLang="en-US"/>
+            </a:p>
+          </p:txBody>
+        </p:sp>
+        <p:cxnSp>
+          <p:nvCxnSpPr>
+            <p:cNvPr id="539" name="直線コネクタ 538">
+              <a:extLst>
+                <a:ext uri="{FF2B5EF4-FFF2-40B4-BE49-F238E27FC236}">
+                  <a16:creationId xmlns:a16="http://schemas.microsoft.com/office/drawing/2014/main" id="{E2A99B92-4D5E-40E0-9C63-64FE0DD8CE23}"/>
+                </a:ext>
+              </a:extLst>
+            </p:cNvPr>
+            <p:cNvCxnSpPr/>
+            <p:nvPr/>
+          </p:nvCxnSpPr>
+          <p:spPr>
+            <a:xfrm>
+              <a:off x="1149800" y="1851808"/>
+              <a:ext cx="357163" cy="0"/>
+            </a:xfrm>
+            <a:prstGeom prst="line">
+              <a:avLst/>
+            </a:prstGeom>
+            <a:grpFill/>
+            <a:ln w="12700">
+              <a:solidFill>
+                <a:schemeClr val="tx1">
+                  <a:lumMod val="75000"/>
+                  <a:lumOff val="25000"/>
+                </a:schemeClr>
+              </a:solidFill>
+            </a:ln>
+          </p:spPr>
+          <p:style>
+            <a:lnRef idx="1">
+              <a:schemeClr val="accent1"/>
+            </a:lnRef>
+            <a:fillRef idx="0">
+              <a:schemeClr val="accent1"/>
+            </a:fillRef>
+            <a:effectRef idx="0">
+              <a:schemeClr val="accent1"/>
+            </a:effectRef>
+            <a:fontRef idx="minor">
+              <a:schemeClr val="tx1"/>
+            </a:fontRef>
+          </p:style>
+        </p:cxnSp>
+        <p:cxnSp>
+          <p:nvCxnSpPr>
+            <p:cNvPr id="540" name="直線コネクタ 539">
+              <a:extLst>
+                <a:ext uri="{FF2B5EF4-FFF2-40B4-BE49-F238E27FC236}">
+                  <a16:creationId xmlns:a16="http://schemas.microsoft.com/office/drawing/2014/main" id="{A0044C4F-9A3C-4B85-9213-41A4C0867A81}"/>
+                </a:ext>
+              </a:extLst>
+            </p:cNvPr>
+            <p:cNvCxnSpPr/>
+            <p:nvPr/>
+          </p:nvCxnSpPr>
+          <p:spPr>
+            <a:xfrm>
+              <a:off x="1149799" y="1908164"/>
+              <a:ext cx="357163" cy="0"/>
+            </a:xfrm>
+            <a:prstGeom prst="line">
+              <a:avLst/>
+            </a:prstGeom>
+            <a:grpFill/>
+            <a:ln w="12700">
+              <a:solidFill>
+                <a:schemeClr val="tx1">
+                  <a:lumMod val="75000"/>
+                  <a:lumOff val="25000"/>
+                </a:schemeClr>
+              </a:solidFill>
+            </a:ln>
+          </p:spPr>
+          <p:style>
+            <a:lnRef idx="1">
+              <a:schemeClr val="accent1"/>
+            </a:lnRef>
+            <a:fillRef idx="0">
+              <a:schemeClr val="accent1"/>
+            </a:fillRef>
+            <a:effectRef idx="0">
+              <a:schemeClr val="accent1"/>
+            </a:effectRef>
+            <a:fontRef idx="minor">
+              <a:schemeClr val="tx1"/>
+            </a:fontRef>
+          </p:style>
+        </p:cxnSp>
+        <p:cxnSp>
+          <p:nvCxnSpPr>
+            <p:cNvPr id="541" name="直線コネクタ 540">
+              <a:extLst>
+                <a:ext uri="{FF2B5EF4-FFF2-40B4-BE49-F238E27FC236}">
+                  <a16:creationId xmlns:a16="http://schemas.microsoft.com/office/drawing/2014/main" id="{EB832943-6AF4-4ECC-B8A5-F1876EA5F937}"/>
+                </a:ext>
+              </a:extLst>
+            </p:cNvPr>
+            <p:cNvCxnSpPr/>
+            <p:nvPr/>
+          </p:nvCxnSpPr>
+          <p:spPr>
+            <a:xfrm>
+              <a:off x="1149798" y="1964520"/>
+              <a:ext cx="357163" cy="0"/>
+            </a:xfrm>
+            <a:prstGeom prst="line">
+              <a:avLst/>
+            </a:prstGeom>
+            <a:grpFill/>
+            <a:ln w="12700">
+              <a:solidFill>
+                <a:schemeClr val="tx1">
+                  <a:lumMod val="75000"/>
+                  <a:lumOff val="25000"/>
+                </a:schemeClr>
+              </a:solidFill>
+            </a:ln>
+          </p:spPr>
+          <p:style>
+            <a:lnRef idx="1">
+              <a:schemeClr val="accent1"/>
+            </a:lnRef>
+            <a:fillRef idx="0">
+              <a:schemeClr val="accent1"/>
+            </a:fillRef>
+            <a:effectRef idx="0">
+              <a:schemeClr val="accent1"/>
+            </a:effectRef>
+            <a:fontRef idx="minor">
+              <a:schemeClr val="tx1"/>
+            </a:fontRef>
+          </p:style>
+        </p:cxnSp>
+        <p:cxnSp>
+          <p:nvCxnSpPr>
+            <p:cNvPr id="542" name="直線コネクタ 541">
+              <a:extLst>
+                <a:ext uri="{FF2B5EF4-FFF2-40B4-BE49-F238E27FC236}">
+                  <a16:creationId xmlns:a16="http://schemas.microsoft.com/office/drawing/2014/main" id="{916DDD41-014D-4C78-8B1F-89D24D54FDBD}"/>
+                </a:ext>
+              </a:extLst>
+            </p:cNvPr>
+            <p:cNvCxnSpPr/>
+            <p:nvPr/>
+          </p:nvCxnSpPr>
+          <p:spPr>
+            <a:xfrm>
+              <a:off x="1149797" y="2018495"/>
+              <a:ext cx="357163" cy="0"/>
+            </a:xfrm>
+            <a:prstGeom prst="line">
+              <a:avLst/>
+            </a:prstGeom>
+            <a:grpFill/>
+            <a:ln w="12700">
+              <a:solidFill>
+                <a:schemeClr val="tx1">
+                  <a:lumMod val="75000"/>
+                  <a:lumOff val="25000"/>
+                </a:schemeClr>
+              </a:solidFill>
+            </a:ln>
+          </p:spPr>
+          <p:style>
+            <a:lnRef idx="1">
+              <a:schemeClr val="accent1"/>
+            </a:lnRef>
+            <a:fillRef idx="0">
+              <a:schemeClr val="accent1"/>
+            </a:fillRef>
+            <a:effectRef idx="0">
+              <a:schemeClr val="accent1"/>
+            </a:effectRef>
+            <a:fontRef idx="minor">
+              <a:schemeClr val="tx1"/>
+            </a:fontRef>
+          </p:style>
+        </p:cxnSp>
+      </p:grpSp>
+      <p:grpSp>
+        <p:nvGrpSpPr>
+          <p:cNvPr id="543" name="グループ化 542">
+            <a:extLst>
+              <a:ext uri="{FF2B5EF4-FFF2-40B4-BE49-F238E27FC236}">
+                <a16:creationId xmlns:a16="http://schemas.microsoft.com/office/drawing/2014/main" id="{9C33DB36-EF8D-4930-9700-C8BFF670F731}"/>
+              </a:ext>
+            </a:extLst>
+          </p:cNvPr>
+          <p:cNvGrpSpPr/>
+          <p:nvPr/>
+        </p:nvGrpSpPr>
+        <p:grpSpPr>
+          <a:xfrm>
+            <a:off x="7189049" y="1452388"/>
+            <a:ext cx="384463" cy="291250"/>
+            <a:chOff x="1100918" y="1789018"/>
+            <a:chExt cx="454925" cy="304799"/>
+          </a:xfrm>
+          <a:solidFill>
+            <a:schemeClr val="accent6">
+              <a:lumMod val="40000"/>
+              <a:lumOff val="60000"/>
+            </a:schemeClr>
+          </a:solidFill>
+        </p:grpSpPr>
+        <p:sp>
+          <p:nvSpPr>
+            <p:cNvPr id="544" name="正方形/長方形 543">
+              <a:extLst>
+                <a:ext uri="{FF2B5EF4-FFF2-40B4-BE49-F238E27FC236}">
+                  <a16:creationId xmlns:a16="http://schemas.microsoft.com/office/drawing/2014/main" id="{4B938FAB-47D3-4599-A790-E98BE866B32D}"/>
+                </a:ext>
+              </a:extLst>
+            </p:cNvPr>
+            <p:cNvSpPr/>
+            <p:nvPr/>
+          </p:nvSpPr>
+          <p:spPr>
+            <a:xfrm>
+              <a:off x="1100918" y="1789018"/>
+              <a:ext cx="454925" cy="304799"/>
+            </a:xfrm>
+            <a:prstGeom prst="rect">
+              <a:avLst/>
+            </a:prstGeom>
+            <a:grpFill/>
+            <a:ln>
+              <a:solidFill>
+                <a:schemeClr val="tx1">
+                  <a:lumMod val="75000"/>
+                  <a:lumOff val="25000"/>
+                </a:schemeClr>
+              </a:solidFill>
+            </a:ln>
+          </p:spPr>
+          <p:style>
+            <a:lnRef idx="2">
+              <a:schemeClr val="accent1">
+                <a:shade val="50000"/>
+              </a:schemeClr>
+            </a:lnRef>
+            <a:fillRef idx="1">
+              <a:schemeClr val="accent1"/>
+            </a:fillRef>
+            <a:effectRef idx="0">
+              <a:schemeClr val="accent1"/>
+            </a:effectRef>
+            <a:fontRef idx="minor">
+              <a:schemeClr val="lt1"/>
+            </a:fontRef>
+          </p:style>
+          <p:txBody>
+            <a:bodyPr rtlCol="0" anchor="ctr"/>
+            <a:lstStyle/>
+            <a:p>
+              <a:pPr algn="ctr"/>
+              <a:endParaRPr kumimoji="1" lang="ja-JP" altLang="en-US"/>
+            </a:p>
+          </p:txBody>
+        </p:sp>
+        <p:cxnSp>
+          <p:nvCxnSpPr>
+            <p:cNvPr id="545" name="直線コネクタ 544">
+              <a:extLst>
+                <a:ext uri="{FF2B5EF4-FFF2-40B4-BE49-F238E27FC236}">
+                  <a16:creationId xmlns:a16="http://schemas.microsoft.com/office/drawing/2014/main" id="{03E9EA49-3C1F-4702-94D3-192F90875A6F}"/>
+                </a:ext>
+              </a:extLst>
+            </p:cNvPr>
+            <p:cNvCxnSpPr/>
+            <p:nvPr/>
+          </p:nvCxnSpPr>
+          <p:spPr>
+            <a:xfrm>
+              <a:off x="1149800" y="1851808"/>
+              <a:ext cx="357163" cy="0"/>
+            </a:xfrm>
+            <a:prstGeom prst="line">
+              <a:avLst/>
+            </a:prstGeom>
+            <a:grpFill/>
+            <a:ln w="12700">
+              <a:solidFill>
+                <a:schemeClr val="tx1">
+                  <a:lumMod val="75000"/>
+                  <a:lumOff val="25000"/>
+                </a:schemeClr>
+              </a:solidFill>
+            </a:ln>
+          </p:spPr>
+          <p:style>
+            <a:lnRef idx="1">
+              <a:schemeClr val="accent1"/>
+            </a:lnRef>
+            <a:fillRef idx="0">
+              <a:schemeClr val="accent1"/>
+            </a:fillRef>
+            <a:effectRef idx="0">
+              <a:schemeClr val="accent1"/>
+            </a:effectRef>
+            <a:fontRef idx="minor">
+              <a:schemeClr val="tx1"/>
+            </a:fontRef>
+          </p:style>
+        </p:cxnSp>
+        <p:cxnSp>
+          <p:nvCxnSpPr>
+            <p:cNvPr id="546" name="直線コネクタ 545">
+              <a:extLst>
+                <a:ext uri="{FF2B5EF4-FFF2-40B4-BE49-F238E27FC236}">
+                  <a16:creationId xmlns:a16="http://schemas.microsoft.com/office/drawing/2014/main" id="{E2210A7B-0C74-42A9-8F5C-C6DACF59CF5F}"/>
+                </a:ext>
+              </a:extLst>
+            </p:cNvPr>
+            <p:cNvCxnSpPr/>
+            <p:nvPr/>
+          </p:nvCxnSpPr>
+          <p:spPr>
+            <a:xfrm>
+              <a:off x="1149799" y="1908164"/>
+              <a:ext cx="357163" cy="0"/>
+            </a:xfrm>
+            <a:prstGeom prst="line">
+              <a:avLst/>
+            </a:prstGeom>
+            <a:grpFill/>
+            <a:ln w="12700">
+              <a:solidFill>
+                <a:schemeClr val="tx1">
+                  <a:lumMod val="75000"/>
+                  <a:lumOff val="25000"/>
+                </a:schemeClr>
+              </a:solidFill>
+            </a:ln>
+          </p:spPr>
+          <p:style>
+            <a:lnRef idx="1">
+              <a:schemeClr val="accent1"/>
+            </a:lnRef>
+            <a:fillRef idx="0">
+              <a:schemeClr val="accent1"/>
+            </a:fillRef>
+            <a:effectRef idx="0">
+              <a:schemeClr val="accent1"/>
+            </a:effectRef>
+            <a:fontRef idx="minor">
+              <a:schemeClr val="tx1"/>
+            </a:fontRef>
+          </p:style>
+        </p:cxnSp>
+        <p:cxnSp>
+          <p:nvCxnSpPr>
+            <p:cNvPr id="547" name="直線コネクタ 546">
+              <a:extLst>
+                <a:ext uri="{FF2B5EF4-FFF2-40B4-BE49-F238E27FC236}">
+                  <a16:creationId xmlns:a16="http://schemas.microsoft.com/office/drawing/2014/main" id="{1D7D73CF-E547-47C3-BF29-410A59766826}"/>
+                </a:ext>
+              </a:extLst>
+            </p:cNvPr>
+            <p:cNvCxnSpPr/>
+            <p:nvPr/>
+          </p:nvCxnSpPr>
+          <p:spPr>
+            <a:xfrm>
+              <a:off x="1149798" y="1964520"/>
+              <a:ext cx="357163" cy="0"/>
+            </a:xfrm>
+            <a:prstGeom prst="line">
+              <a:avLst/>
+            </a:prstGeom>
+            <a:grpFill/>
+            <a:ln w="12700">
+              <a:solidFill>
+                <a:schemeClr val="tx1">
+                  <a:lumMod val="75000"/>
+                  <a:lumOff val="25000"/>
+                </a:schemeClr>
+              </a:solidFill>
+            </a:ln>
+          </p:spPr>
+          <p:style>
+            <a:lnRef idx="1">
+              <a:schemeClr val="accent1"/>
+            </a:lnRef>
+            <a:fillRef idx="0">
+              <a:schemeClr val="accent1"/>
+            </a:fillRef>
+            <a:effectRef idx="0">
+              <a:schemeClr val="accent1"/>
+            </a:effectRef>
+            <a:fontRef idx="minor">
+              <a:schemeClr val="tx1"/>
+            </a:fontRef>
+          </p:style>
+        </p:cxnSp>
+        <p:cxnSp>
+          <p:nvCxnSpPr>
+            <p:cNvPr id="548" name="直線コネクタ 547">
+              <a:extLst>
+                <a:ext uri="{FF2B5EF4-FFF2-40B4-BE49-F238E27FC236}">
+                  <a16:creationId xmlns:a16="http://schemas.microsoft.com/office/drawing/2014/main" id="{F94C6F35-A825-471A-8056-FCA322FBB29F}"/>
+                </a:ext>
+              </a:extLst>
+            </p:cNvPr>
+            <p:cNvCxnSpPr/>
+            <p:nvPr/>
+          </p:nvCxnSpPr>
+          <p:spPr>
+            <a:xfrm>
+              <a:off x="1149797" y="2018495"/>
+              <a:ext cx="357163" cy="0"/>
+            </a:xfrm>
+            <a:prstGeom prst="line">
+              <a:avLst/>
+            </a:prstGeom>
+            <a:grpFill/>
+            <a:ln w="12700">
+              <a:solidFill>
+                <a:schemeClr val="tx1">
+                  <a:lumMod val="75000"/>
+                  <a:lumOff val="25000"/>
+                </a:schemeClr>
+              </a:solidFill>
+            </a:ln>
+          </p:spPr>
+          <p:style>
+            <a:lnRef idx="1">
+              <a:schemeClr val="accent1"/>
+            </a:lnRef>
+            <a:fillRef idx="0">
+              <a:schemeClr val="accent1"/>
+            </a:fillRef>
+            <a:effectRef idx="0">
+              <a:schemeClr val="accent1"/>
+            </a:effectRef>
+            <a:fontRef idx="minor">
+              <a:schemeClr val="tx1"/>
+            </a:fontRef>
+          </p:style>
+        </p:cxnSp>
+      </p:grpSp>
+      <p:grpSp>
+        <p:nvGrpSpPr>
+          <p:cNvPr id="549" name="グループ化 548">
+            <a:extLst>
+              <a:ext uri="{FF2B5EF4-FFF2-40B4-BE49-F238E27FC236}">
+                <a16:creationId xmlns:a16="http://schemas.microsoft.com/office/drawing/2014/main" id="{FCA66BB0-CA30-48B9-9CCB-BF6699D44037}"/>
+              </a:ext>
+            </a:extLst>
+          </p:cNvPr>
+          <p:cNvGrpSpPr/>
+          <p:nvPr/>
+        </p:nvGrpSpPr>
+        <p:grpSpPr>
+          <a:xfrm>
+            <a:off x="7737569" y="1777555"/>
+            <a:ext cx="384463" cy="291250"/>
+            <a:chOff x="1100918" y="1789018"/>
+            <a:chExt cx="454925" cy="304799"/>
+          </a:xfrm>
+          <a:solidFill>
+            <a:schemeClr val="accent6">
+              <a:lumMod val="40000"/>
+              <a:lumOff val="60000"/>
+            </a:schemeClr>
+          </a:solidFill>
+        </p:grpSpPr>
+        <p:sp>
+          <p:nvSpPr>
+            <p:cNvPr id="550" name="正方形/長方形 549">
+              <a:extLst>
+                <a:ext uri="{FF2B5EF4-FFF2-40B4-BE49-F238E27FC236}">
+                  <a16:creationId xmlns:a16="http://schemas.microsoft.com/office/drawing/2014/main" id="{9A0B5B8E-A597-4C33-8070-FD03182794C5}"/>
+                </a:ext>
+              </a:extLst>
+            </p:cNvPr>
+            <p:cNvSpPr/>
+            <p:nvPr/>
+          </p:nvSpPr>
+          <p:spPr>
+            <a:xfrm>
+              <a:off x="1100918" y="1789018"/>
+              <a:ext cx="454925" cy="304799"/>
+            </a:xfrm>
+            <a:prstGeom prst="rect">
+              <a:avLst/>
+            </a:prstGeom>
+            <a:grpFill/>
+            <a:ln>
+              <a:solidFill>
+                <a:schemeClr val="tx1">
+                  <a:lumMod val="75000"/>
+                  <a:lumOff val="25000"/>
+                </a:schemeClr>
+              </a:solidFill>
+            </a:ln>
+          </p:spPr>
+          <p:style>
+            <a:lnRef idx="2">
+              <a:schemeClr val="accent1">
+                <a:shade val="50000"/>
+              </a:schemeClr>
+            </a:lnRef>
+            <a:fillRef idx="1">
+              <a:schemeClr val="accent1"/>
+            </a:fillRef>
+            <a:effectRef idx="0">
+              <a:schemeClr val="accent1"/>
+            </a:effectRef>
+            <a:fontRef idx="minor">
+              <a:schemeClr val="lt1"/>
+            </a:fontRef>
+          </p:style>
+          <p:txBody>
+            <a:bodyPr rtlCol="0" anchor="ctr"/>
+            <a:lstStyle/>
+            <a:p>
+              <a:pPr algn="ctr"/>
+              <a:endParaRPr kumimoji="1" lang="ja-JP" altLang="en-US"/>
+            </a:p>
+          </p:txBody>
+        </p:sp>
+        <p:cxnSp>
+          <p:nvCxnSpPr>
+            <p:cNvPr id="551" name="直線コネクタ 550">
+              <a:extLst>
+                <a:ext uri="{FF2B5EF4-FFF2-40B4-BE49-F238E27FC236}">
+                  <a16:creationId xmlns:a16="http://schemas.microsoft.com/office/drawing/2014/main" id="{FB105529-6C36-487A-9392-3405686D4F0A}"/>
+                </a:ext>
+              </a:extLst>
+            </p:cNvPr>
+            <p:cNvCxnSpPr/>
+            <p:nvPr/>
+          </p:nvCxnSpPr>
+          <p:spPr>
+            <a:xfrm>
+              <a:off x="1149800" y="1851808"/>
+              <a:ext cx="357163" cy="0"/>
+            </a:xfrm>
+            <a:prstGeom prst="line">
+              <a:avLst/>
+            </a:prstGeom>
+            <a:grpFill/>
+            <a:ln w="12700">
+              <a:solidFill>
+                <a:schemeClr val="tx1">
+                  <a:lumMod val="75000"/>
+                  <a:lumOff val="25000"/>
+                </a:schemeClr>
+              </a:solidFill>
+            </a:ln>
+          </p:spPr>
+          <p:style>
+            <a:lnRef idx="1">
+              <a:schemeClr val="accent1"/>
+            </a:lnRef>
+            <a:fillRef idx="0">
+              <a:schemeClr val="accent1"/>
+            </a:fillRef>
+            <a:effectRef idx="0">
+              <a:schemeClr val="accent1"/>
+            </a:effectRef>
+            <a:fontRef idx="minor">
+              <a:schemeClr val="tx1"/>
+            </a:fontRef>
+          </p:style>
+        </p:cxnSp>
+        <p:cxnSp>
+          <p:nvCxnSpPr>
+            <p:cNvPr id="552" name="直線コネクタ 551">
+              <a:extLst>
+                <a:ext uri="{FF2B5EF4-FFF2-40B4-BE49-F238E27FC236}">
+                  <a16:creationId xmlns:a16="http://schemas.microsoft.com/office/drawing/2014/main" id="{00E76D5C-D10E-4B11-8BA4-354C5E7FB236}"/>
+                </a:ext>
+              </a:extLst>
+            </p:cNvPr>
+            <p:cNvCxnSpPr/>
+            <p:nvPr/>
+          </p:nvCxnSpPr>
+          <p:spPr>
+            <a:xfrm>
+              <a:off x="1149799" y="1908164"/>
+              <a:ext cx="357163" cy="0"/>
+            </a:xfrm>
+            <a:prstGeom prst="line">
+              <a:avLst/>
+            </a:prstGeom>
+            <a:grpFill/>
+            <a:ln w="12700">
+              <a:solidFill>
+                <a:schemeClr val="tx1">
+                  <a:lumMod val="75000"/>
+                  <a:lumOff val="25000"/>
+                </a:schemeClr>
+              </a:solidFill>
+            </a:ln>
+          </p:spPr>
+          <p:style>
+            <a:lnRef idx="1">
+              <a:schemeClr val="accent1"/>
+            </a:lnRef>
+            <a:fillRef idx="0">
+              <a:schemeClr val="accent1"/>
+            </a:fillRef>
+            <a:effectRef idx="0">
+              <a:schemeClr val="accent1"/>
+            </a:effectRef>
+            <a:fontRef idx="minor">
+              <a:schemeClr val="tx1"/>
+            </a:fontRef>
+          </p:style>
+        </p:cxnSp>
+        <p:cxnSp>
+          <p:nvCxnSpPr>
+            <p:cNvPr id="553" name="直線コネクタ 552">
+              <a:extLst>
+                <a:ext uri="{FF2B5EF4-FFF2-40B4-BE49-F238E27FC236}">
+                  <a16:creationId xmlns:a16="http://schemas.microsoft.com/office/drawing/2014/main" id="{FDBE0420-17C3-46F5-B7C2-3C0BBCC5B4EF}"/>
+                </a:ext>
+              </a:extLst>
+            </p:cNvPr>
+            <p:cNvCxnSpPr/>
+            <p:nvPr/>
+          </p:nvCxnSpPr>
+          <p:spPr>
+            <a:xfrm>
+              <a:off x="1149798" y="1964520"/>
+              <a:ext cx="357163" cy="0"/>
+            </a:xfrm>
+            <a:prstGeom prst="line">
+              <a:avLst/>
+            </a:prstGeom>
+            <a:grpFill/>
+            <a:ln w="12700">
+              <a:solidFill>
+                <a:schemeClr val="tx1">
+                  <a:lumMod val="75000"/>
+                  <a:lumOff val="25000"/>
+                </a:schemeClr>
+              </a:solidFill>
+            </a:ln>
+          </p:spPr>
+          <p:style>
+            <a:lnRef idx="1">
+              <a:schemeClr val="accent1"/>
+            </a:lnRef>
+            <a:fillRef idx="0">
+              <a:schemeClr val="accent1"/>
+            </a:fillRef>
+            <a:effectRef idx="0">
+              <a:schemeClr val="accent1"/>
+            </a:effectRef>
+            <a:fontRef idx="minor">
+              <a:schemeClr val="tx1"/>
+            </a:fontRef>
+          </p:style>
+        </p:cxnSp>
+        <p:cxnSp>
+          <p:nvCxnSpPr>
+            <p:cNvPr id="554" name="直線コネクタ 553">
+              <a:extLst>
+                <a:ext uri="{FF2B5EF4-FFF2-40B4-BE49-F238E27FC236}">
+                  <a16:creationId xmlns:a16="http://schemas.microsoft.com/office/drawing/2014/main" id="{D42C2E49-D97B-482C-9F1A-B531658BD9DA}"/>
+                </a:ext>
+              </a:extLst>
+            </p:cNvPr>
+            <p:cNvCxnSpPr/>
+            <p:nvPr/>
+          </p:nvCxnSpPr>
+          <p:spPr>
+            <a:xfrm>
+              <a:off x="1149797" y="2018495"/>
+              <a:ext cx="357163" cy="0"/>
+            </a:xfrm>
+            <a:prstGeom prst="line">
+              <a:avLst/>
+            </a:prstGeom>
+            <a:grpFill/>
+            <a:ln w="12700">
+              <a:solidFill>
+                <a:schemeClr val="tx1">
+                  <a:lumMod val="75000"/>
+                  <a:lumOff val="25000"/>
+                </a:schemeClr>
+              </a:solidFill>
+            </a:ln>
+          </p:spPr>
+          <p:style>
+            <a:lnRef idx="1">
+              <a:schemeClr val="accent1"/>
+            </a:lnRef>
+            <a:fillRef idx="0">
+              <a:schemeClr val="accent1"/>
+            </a:fillRef>
+            <a:effectRef idx="0">
+              <a:schemeClr val="accent1"/>
+            </a:effectRef>
+            <a:fontRef idx="minor">
+              <a:schemeClr val="tx1"/>
+            </a:fontRef>
+          </p:style>
+        </p:cxnSp>
+      </p:grpSp>
+      <p:grpSp>
+        <p:nvGrpSpPr>
+          <p:cNvPr id="555" name="グループ化 554">
+            <a:extLst>
+              <a:ext uri="{FF2B5EF4-FFF2-40B4-BE49-F238E27FC236}">
+                <a16:creationId xmlns:a16="http://schemas.microsoft.com/office/drawing/2014/main" id="{AEE280E9-1E4A-49EC-8AD1-8C1DD651CACB}"/>
+              </a:ext>
+            </a:extLst>
+          </p:cNvPr>
+          <p:cNvGrpSpPr/>
+          <p:nvPr/>
+        </p:nvGrpSpPr>
+        <p:grpSpPr>
+          <a:xfrm>
+            <a:off x="7660762" y="1809239"/>
+            <a:ext cx="384463" cy="291250"/>
+            <a:chOff x="1100918" y="1789018"/>
+            <a:chExt cx="454925" cy="304799"/>
+          </a:xfrm>
+          <a:solidFill>
+            <a:schemeClr val="bg1">
+              <a:lumMod val="85000"/>
+            </a:schemeClr>
+          </a:solidFill>
+        </p:grpSpPr>
+        <p:sp>
+          <p:nvSpPr>
+            <p:cNvPr id="556" name="正方形/長方形 555">
+              <a:extLst>
+                <a:ext uri="{FF2B5EF4-FFF2-40B4-BE49-F238E27FC236}">
+                  <a16:creationId xmlns:a16="http://schemas.microsoft.com/office/drawing/2014/main" id="{DCEC4F1E-6F37-4EDE-B7A6-5AE1BFB15302}"/>
+                </a:ext>
+              </a:extLst>
+            </p:cNvPr>
+            <p:cNvSpPr/>
+            <p:nvPr/>
+          </p:nvSpPr>
+          <p:spPr>
+            <a:xfrm>
+              <a:off x="1100918" y="1789018"/>
+              <a:ext cx="454925" cy="304799"/>
+            </a:xfrm>
+            <a:prstGeom prst="rect">
+              <a:avLst/>
+            </a:prstGeom>
+            <a:grpFill/>
+            <a:ln>
+              <a:solidFill>
+                <a:schemeClr val="tx1">
+                  <a:lumMod val="75000"/>
+                  <a:lumOff val="25000"/>
+                </a:schemeClr>
+              </a:solidFill>
+            </a:ln>
+          </p:spPr>
+          <p:style>
+            <a:lnRef idx="2">
+              <a:schemeClr val="accent1">
+                <a:shade val="50000"/>
+              </a:schemeClr>
+            </a:lnRef>
+            <a:fillRef idx="1">
+              <a:schemeClr val="accent1"/>
+            </a:fillRef>
+            <a:effectRef idx="0">
+              <a:schemeClr val="accent1"/>
+            </a:effectRef>
+            <a:fontRef idx="minor">
+              <a:schemeClr val="lt1"/>
+            </a:fontRef>
+          </p:style>
+          <p:txBody>
+            <a:bodyPr rtlCol="0" anchor="ctr"/>
+            <a:lstStyle/>
+            <a:p>
+              <a:pPr algn="ctr"/>
+              <a:endParaRPr kumimoji="1" lang="ja-JP" altLang="en-US"/>
+            </a:p>
+          </p:txBody>
+        </p:sp>
+        <p:cxnSp>
+          <p:nvCxnSpPr>
+            <p:cNvPr id="557" name="直線コネクタ 556">
+              <a:extLst>
+                <a:ext uri="{FF2B5EF4-FFF2-40B4-BE49-F238E27FC236}">
+                  <a16:creationId xmlns:a16="http://schemas.microsoft.com/office/drawing/2014/main" id="{EEF96CED-EA64-439A-975C-27049C569294}"/>
+                </a:ext>
+              </a:extLst>
+            </p:cNvPr>
+            <p:cNvCxnSpPr/>
+            <p:nvPr/>
+          </p:nvCxnSpPr>
+          <p:spPr>
+            <a:xfrm>
+              <a:off x="1149800" y="1851808"/>
+              <a:ext cx="357163" cy="0"/>
+            </a:xfrm>
+            <a:prstGeom prst="line">
+              <a:avLst/>
+            </a:prstGeom>
+            <a:grpFill/>
+            <a:ln w="12700">
+              <a:solidFill>
+                <a:schemeClr val="tx1">
+                  <a:lumMod val="75000"/>
+                  <a:lumOff val="25000"/>
+                </a:schemeClr>
+              </a:solidFill>
+            </a:ln>
+          </p:spPr>
+          <p:style>
+            <a:lnRef idx="1">
+              <a:schemeClr val="accent1"/>
+            </a:lnRef>
+            <a:fillRef idx="0">
+              <a:schemeClr val="accent1"/>
+            </a:fillRef>
+            <a:effectRef idx="0">
+              <a:schemeClr val="accent1"/>
+            </a:effectRef>
+            <a:fontRef idx="minor">
+              <a:schemeClr val="tx1"/>
+            </a:fontRef>
+          </p:style>
+        </p:cxnSp>
+        <p:cxnSp>
+          <p:nvCxnSpPr>
+            <p:cNvPr id="558" name="直線コネクタ 557">
+              <a:extLst>
+                <a:ext uri="{FF2B5EF4-FFF2-40B4-BE49-F238E27FC236}">
+                  <a16:creationId xmlns:a16="http://schemas.microsoft.com/office/drawing/2014/main" id="{52AA61A3-9C91-456C-BC56-CDE34742A975}"/>
+                </a:ext>
+              </a:extLst>
+            </p:cNvPr>
+            <p:cNvCxnSpPr/>
+            <p:nvPr/>
+          </p:nvCxnSpPr>
+          <p:spPr>
+            <a:xfrm>
+              <a:off x="1149799" y="1908164"/>
+              <a:ext cx="357163" cy="0"/>
+            </a:xfrm>
+            <a:prstGeom prst="line">
+              <a:avLst/>
+            </a:prstGeom>
+            <a:grpFill/>
+            <a:ln w="12700">
+              <a:solidFill>
+                <a:schemeClr val="tx1">
+                  <a:lumMod val="75000"/>
+                  <a:lumOff val="25000"/>
+                </a:schemeClr>
+              </a:solidFill>
+            </a:ln>
+          </p:spPr>
+          <p:style>
+            <a:lnRef idx="1">
+              <a:schemeClr val="accent1"/>
+            </a:lnRef>
+            <a:fillRef idx="0">
+              <a:schemeClr val="accent1"/>
+            </a:fillRef>
+            <a:effectRef idx="0">
+              <a:schemeClr val="accent1"/>
+            </a:effectRef>
+            <a:fontRef idx="minor">
+              <a:schemeClr val="tx1"/>
+            </a:fontRef>
+          </p:style>
+        </p:cxnSp>
+        <p:cxnSp>
+          <p:nvCxnSpPr>
+            <p:cNvPr id="559" name="直線コネクタ 558">
+              <a:extLst>
+                <a:ext uri="{FF2B5EF4-FFF2-40B4-BE49-F238E27FC236}">
+                  <a16:creationId xmlns:a16="http://schemas.microsoft.com/office/drawing/2014/main" id="{E3D9F5A2-9961-48E7-80FD-F4640A8B13F0}"/>
+                </a:ext>
+              </a:extLst>
+            </p:cNvPr>
+            <p:cNvCxnSpPr/>
+            <p:nvPr/>
+          </p:nvCxnSpPr>
+          <p:spPr>
+            <a:xfrm>
+              <a:off x="1149798" y="1964520"/>
+              <a:ext cx="357163" cy="0"/>
+            </a:xfrm>
+            <a:prstGeom prst="line">
+              <a:avLst/>
+            </a:prstGeom>
+            <a:grpFill/>
+            <a:ln w="12700">
+              <a:solidFill>
+                <a:schemeClr val="tx1">
+                  <a:lumMod val="75000"/>
+                  <a:lumOff val="25000"/>
+                </a:schemeClr>
+              </a:solidFill>
+            </a:ln>
+          </p:spPr>
+          <p:style>
+            <a:lnRef idx="1">
+              <a:schemeClr val="accent1"/>
+            </a:lnRef>
+            <a:fillRef idx="0">
+              <a:schemeClr val="accent1"/>
+            </a:fillRef>
+            <a:effectRef idx="0">
+              <a:schemeClr val="accent1"/>
+            </a:effectRef>
+            <a:fontRef idx="minor">
+              <a:schemeClr val="tx1"/>
+            </a:fontRef>
+          </p:style>
+        </p:cxnSp>
+        <p:cxnSp>
+          <p:nvCxnSpPr>
+            <p:cNvPr id="560" name="直線コネクタ 559">
+              <a:extLst>
+                <a:ext uri="{FF2B5EF4-FFF2-40B4-BE49-F238E27FC236}">
+                  <a16:creationId xmlns:a16="http://schemas.microsoft.com/office/drawing/2014/main" id="{CDFDD090-3A32-4D5D-BCCF-AF0825CFEA0C}"/>
+                </a:ext>
+              </a:extLst>
+            </p:cNvPr>
+            <p:cNvCxnSpPr/>
+            <p:nvPr/>
+          </p:nvCxnSpPr>
+          <p:spPr>
+            <a:xfrm>
+              <a:off x="1149797" y="2018495"/>
+              <a:ext cx="357163" cy="0"/>
+            </a:xfrm>
+            <a:prstGeom prst="line">
+              <a:avLst/>
+            </a:prstGeom>
+            <a:grpFill/>
+            <a:ln w="12700">
+              <a:solidFill>
+                <a:schemeClr val="tx1">
+                  <a:lumMod val="75000"/>
+                  <a:lumOff val="25000"/>
+                </a:schemeClr>
+              </a:solidFill>
+            </a:ln>
+          </p:spPr>
+          <p:style>
+            <a:lnRef idx="1">
+              <a:schemeClr val="accent1"/>
+            </a:lnRef>
+            <a:fillRef idx="0">
+              <a:schemeClr val="accent1"/>
+            </a:fillRef>
+            <a:effectRef idx="0">
+              <a:schemeClr val="accent1"/>
+            </a:effectRef>
+            <a:fontRef idx="minor">
+              <a:schemeClr val="tx1"/>
+            </a:fontRef>
+          </p:style>
+        </p:cxnSp>
+      </p:grpSp>
+      <p:grpSp>
+        <p:nvGrpSpPr>
+          <p:cNvPr id="561" name="グループ化 560">
+            <a:extLst>
+              <a:ext uri="{FF2B5EF4-FFF2-40B4-BE49-F238E27FC236}">
+                <a16:creationId xmlns:a16="http://schemas.microsoft.com/office/drawing/2014/main" id="{8DA5D02F-94ED-4590-9646-888E2C5597D7}"/>
+              </a:ext>
+            </a:extLst>
+          </p:cNvPr>
+          <p:cNvGrpSpPr/>
+          <p:nvPr/>
+        </p:nvGrpSpPr>
+        <p:grpSpPr>
+          <a:xfrm>
+            <a:off x="7583955" y="1841316"/>
+            <a:ext cx="384463" cy="291250"/>
+            <a:chOff x="1100918" y="1789018"/>
+            <a:chExt cx="454925" cy="304799"/>
+          </a:xfrm>
+          <a:solidFill>
+            <a:srgbClr val="FFCCFF"/>
+          </a:solidFill>
+        </p:grpSpPr>
+        <p:sp>
+          <p:nvSpPr>
+            <p:cNvPr id="562" name="正方形/長方形 561">
+              <a:extLst>
+                <a:ext uri="{FF2B5EF4-FFF2-40B4-BE49-F238E27FC236}">
+                  <a16:creationId xmlns:a16="http://schemas.microsoft.com/office/drawing/2014/main" id="{521C4A01-4EFC-4597-A3CC-6962924A9008}"/>
+                </a:ext>
+              </a:extLst>
+            </p:cNvPr>
+            <p:cNvSpPr/>
+            <p:nvPr/>
+          </p:nvSpPr>
+          <p:spPr>
+            <a:xfrm>
+              <a:off x="1100918" y="1789018"/>
+              <a:ext cx="454925" cy="304799"/>
+            </a:xfrm>
+            <a:prstGeom prst="rect">
+              <a:avLst/>
+            </a:prstGeom>
+            <a:grpFill/>
+            <a:ln>
+              <a:solidFill>
+                <a:schemeClr val="tx1">
+                  <a:lumMod val="75000"/>
+                  <a:lumOff val="25000"/>
+                </a:schemeClr>
+              </a:solidFill>
+            </a:ln>
+          </p:spPr>
+          <p:style>
+            <a:lnRef idx="2">
+              <a:schemeClr val="accent1">
+                <a:shade val="50000"/>
+              </a:schemeClr>
+            </a:lnRef>
+            <a:fillRef idx="1">
+              <a:schemeClr val="accent1"/>
+            </a:fillRef>
+            <a:effectRef idx="0">
+              <a:schemeClr val="accent1"/>
+            </a:effectRef>
+            <a:fontRef idx="minor">
+              <a:schemeClr val="lt1"/>
+            </a:fontRef>
+          </p:style>
+          <p:txBody>
+            <a:bodyPr rtlCol="0" anchor="ctr"/>
+            <a:lstStyle/>
+            <a:p>
+              <a:pPr algn="ctr"/>
+              <a:endParaRPr kumimoji="1" lang="ja-JP" altLang="en-US"/>
+            </a:p>
+          </p:txBody>
+        </p:sp>
+        <p:cxnSp>
+          <p:nvCxnSpPr>
+            <p:cNvPr id="563" name="直線コネクタ 562">
+              <a:extLst>
+                <a:ext uri="{FF2B5EF4-FFF2-40B4-BE49-F238E27FC236}">
+                  <a16:creationId xmlns:a16="http://schemas.microsoft.com/office/drawing/2014/main" id="{3F909D02-03FB-4625-9545-893E148BC5B5}"/>
+                </a:ext>
+              </a:extLst>
+            </p:cNvPr>
+            <p:cNvCxnSpPr/>
+            <p:nvPr/>
+          </p:nvCxnSpPr>
+          <p:spPr>
+            <a:xfrm>
+              <a:off x="1149800" y="1851808"/>
+              <a:ext cx="357163" cy="0"/>
+            </a:xfrm>
+            <a:prstGeom prst="line">
+              <a:avLst/>
+            </a:prstGeom>
+            <a:grpFill/>
+            <a:ln w="12700">
+              <a:solidFill>
+                <a:schemeClr val="tx1">
+                  <a:lumMod val="75000"/>
+                  <a:lumOff val="25000"/>
+                </a:schemeClr>
+              </a:solidFill>
+            </a:ln>
+          </p:spPr>
+          <p:style>
+            <a:lnRef idx="1">
+              <a:schemeClr val="accent1"/>
+            </a:lnRef>
+            <a:fillRef idx="0">
+              <a:schemeClr val="accent1"/>
+            </a:fillRef>
+            <a:effectRef idx="0">
+              <a:schemeClr val="accent1"/>
+            </a:effectRef>
+            <a:fontRef idx="minor">
+              <a:schemeClr val="tx1"/>
+            </a:fontRef>
+          </p:style>
+        </p:cxnSp>
+        <p:cxnSp>
+          <p:nvCxnSpPr>
+            <p:cNvPr id="564" name="直線コネクタ 563">
+              <a:extLst>
+                <a:ext uri="{FF2B5EF4-FFF2-40B4-BE49-F238E27FC236}">
+                  <a16:creationId xmlns:a16="http://schemas.microsoft.com/office/drawing/2014/main" id="{A32BB9B2-FDD2-47D4-8331-86078061ACB6}"/>
+                </a:ext>
+              </a:extLst>
+            </p:cNvPr>
+            <p:cNvCxnSpPr/>
+            <p:nvPr/>
+          </p:nvCxnSpPr>
+          <p:spPr>
+            <a:xfrm>
+              <a:off x="1149799" y="1908164"/>
+              <a:ext cx="357163" cy="0"/>
+            </a:xfrm>
+            <a:prstGeom prst="line">
+              <a:avLst/>
+            </a:prstGeom>
+            <a:grpFill/>
+            <a:ln w="12700">
+              <a:solidFill>
+                <a:schemeClr val="tx1">
+                  <a:lumMod val="75000"/>
+                  <a:lumOff val="25000"/>
+                </a:schemeClr>
+              </a:solidFill>
+            </a:ln>
+          </p:spPr>
+          <p:style>
+            <a:lnRef idx="1">
+              <a:schemeClr val="accent1"/>
+            </a:lnRef>
+            <a:fillRef idx="0">
+              <a:schemeClr val="accent1"/>
+            </a:fillRef>
+            <a:effectRef idx="0">
+              <a:schemeClr val="accent1"/>
+            </a:effectRef>
+            <a:fontRef idx="minor">
+              <a:schemeClr val="tx1"/>
+            </a:fontRef>
+          </p:style>
+        </p:cxnSp>
+        <p:cxnSp>
+          <p:nvCxnSpPr>
+            <p:cNvPr id="565" name="直線コネクタ 564">
+              <a:extLst>
+                <a:ext uri="{FF2B5EF4-FFF2-40B4-BE49-F238E27FC236}">
+                  <a16:creationId xmlns:a16="http://schemas.microsoft.com/office/drawing/2014/main" id="{BFE20E67-2DF2-44C3-8179-A00DCDF9515E}"/>
+                </a:ext>
+              </a:extLst>
+            </p:cNvPr>
+            <p:cNvCxnSpPr/>
+            <p:nvPr/>
+          </p:nvCxnSpPr>
+          <p:spPr>
+            <a:xfrm>
+              <a:off x="1149798" y="1964520"/>
+              <a:ext cx="357163" cy="0"/>
+            </a:xfrm>
+            <a:prstGeom prst="line">
+              <a:avLst/>
+            </a:prstGeom>
+            <a:grpFill/>
+            <a:ln w="12700">
+              <a:solidFill>
+                <a:schemeClr val="tx1">
+                  <a:lumMod val="75000"/>
+                  <a:lumOff val="25000"/>
+                </a:schemeClr>
+              </a:solidFill>
+            </a:ln>
+          </p:spPr>
+          <p:style>
+            <a:lnRef idx="1">
+              <a:schemeClr val="accent1"/>
+            </a:lnRef>
+            <a:fillRef idx="0">
+              <a:schemeClr val="accent1"/>
+            </a:fillRef>
+            <a:effectRef idx="0">
+              <a:schemeClr val="accent1"/>
+            </a:effectRef>
+            <a:fontRef idx="minor">
+              <a:schemeClr val="tx1"/>
+            </a:fontRef>
+          </p:style>
+        </p:cxnSp>
+        <p:cxnSp>
+          <p:nvCxnSpPr>
+            <p:cNvPr id="566" name="直線コネクタ 565">
+              <a:extLst>
+                <a:ext uri="{FF2B5EF4-FFF2-40B4-BE49-F238E27FC236}">
+                  <a16:creationId xmlns:a16="http://schemas.microsoft.com/office/drawing/2014/main" id="{D75C63EB-2206-4F2D-82E1-C5E252517726}"/>
+                </a:ext>
+              </a:extLst>
+            </p:cNvPr>
+            <p:cNvCxnSpPr/>
+            <p:nvPr/>
+          </p:nvCxnSpPr>
+          <p:spPr>
+            <a:xfrm>
+              <a:off x="1149797" y="2018495"/>
+              <a:ext cx="357163" cy="0"/>
+            </a:xfrm>
+            <a:prstGeom prst="line">
+              <a:avLst/>
+            </a:prstGeom>
+            <a:grpFill/>
+            <a:ln w="12700">
+              <a:solidFill>
+                <a:schemeClr val="tx1">
+                  <a:lumMod val="75000"/>
+                  <a:lumOff val="25000"/>
+                </a:schemeClr>
+              </a:solidFill>
+            </a:ln>
+          </p:spPr>
+          <p:style>
+            <a:lnRef idx="1">
+              <a:schemeClr val="accent1"/>
+            </a:lnRef>
+            <a:fillRef idx="0">
+              <a:schemeClr val="accent1"/>
+            </a:fillRef>
+            <a:effectRef idx="0">
+              <a:schemeClr val="accent1"/>
+            </a:effectRef>
+            <a:fontRef idx="minor">
+              <a:schemeClr val="tx1"/>
+            </a:fontRef>
+          </p:style>
+        </p:cxnSp>
+      </p:grpSp>
+      <p:sp>
+        <p:nvSpPr>
+          <p:cNvPr id="570" name="テキスト ボックス 569">
+            <a:extLst>
+              <a:ext uri="{FF2B5EF4-FFF2-40B4-BE49-F238E27FC236}">
+                <a16:creationId xmlns:a16="http://schemas.microsoft.com/office/drawing/2014/main" id="{4CD3BF51-2314-44AF-8B61-13F89631A9FA}"/>
+              </a:ext>
+            </a:extLst>
+          </p:cNvPr>
+          <p:cNvSpPr txBox="1"/>
+          <p:nvPr/>
+        </p:nvSpPr>
+        <p:spPr>
+          <a:xfrm>
+            <a:off x="8900101" y="1402405"/>
+            <a:ext cx="1041376" cy="276999"/>
+          </a:xfrm>
+          <a:prstGeom prst="rect">
+            <a:avLst/>
+          </a:prstGeom>
+          <a:noFill/>
+        </p:spPr>
+        <p:txBody>
+          <a:bodyPr wrap="square" rtlCol="0">
+            <a:spAutoFit/>
+          </a:bodyPr>
+          <a:lstStyle/>
+          <a:p>
+            <a:pPr algn="ctr"/>
+            <a:r>
+              <a:rPr lang="en-US" altLang="ja-JP" sz="1200" b="1" dirty="0"/>
+              <a:t>(1,1,…,0,0)</a:t>
+            </a:r>
+            <a:endParaRPr kumimoji="1" lang="ja-JP" altLang="en-US" sz="1200" b="1" dirty="0"/>
+          </a:p>
+        </p:txBody>
+      </p:sp>
+      <p:sp>
+        <p:nvSpPr>
+          <p:cNvPr id="571" name="テキスト ボックス 570">
+            <a:extLst>
+              <a:ext uri="{FF2B5EF4-FFF2-40B4-BE49-F238E27FC236}">
+                <a16:creationId xmlns:a16="http://schemas.microsoft.com/office/drawing/2014/main" id="{EDDABB3C-0B05-4F82-8E09-668E1E82E633}"/>
+              </a:ext>
+            </a:extLst>
+          </p:cNvPr>
+          <p:cNvSpPr txBox="1"/>
+          <p:nvPr/>
+        </p:nvSpPr>
+        <p:spPr>
+          <a:xfrm>
+            <a:off x="9052501" y="1554805"/>
+            <a:ext cx="1041376" cy="276999"/>
+          </a:xfrm>
+          <a:prstGeom prst="rect">
+            <a:avLst/>
+          </a:prstGeom>
+          <a:noFill/>
+        </p:spPr>
+        <p:txBody>
+          <a:bodyPr wrap="square" rtlCol="0">
+            <a:spAutoFit/>
+          </a:bodyPr>
+          <a:lstStyle/>
+          <a:p>
+            <a:pPr algn="ctr"/>
+            <a:r>
+              <a:rPr lang="en-US" altLang="ja-JP" sz="1200" b="1" dirty="0"/>
+              <a:t>(0,0,…,0,1)</a:t>
+            </a:r>
+            <a:endParaRPr kumimoji="1" lang="ja-JP" altLang="en-US" sz="1200" b="1" dirty="0"/>
           </a:p>
         </p:txBody>
       </p:sp>
